--- a/English/2.Preparing data/4.Transposition.pptx
+++ b/English/2.Preparing data/4.Transposition.pptx
@@ -5,7 +5,7 @@
     <p:sldMasterId id="2147483648" r:id="rId1"/>
   </p:sldMasterIdLst>
   <p:notesMasterIdLst>
-    <p:notesMasterId r:id="rId8"/>
+    <p:notesMasterId r:id="rId13"/>
   </p:notesMasterIdLst>
   <p:sldIdLst>
     <p:sldId id="256" r:id="rId2"/>
@@ -13,13 +13,18 @@
     <p:sldId id="259" r:id="rId4"/>
     <p:sldId id="261" r:id="rId5"/>
     <p:sldId id="260" r:id="rId6"/>
-    <p:sldId id="258" r:id="rId7"/>
+    <p:sldId id="262" r:id="rId7"/>
+    <p:sldId id="263" r:id="rId8"/>
+    <p:sldId id="264" r:id="rId9"/>
+    <p:sldId id="265" r:id="rId10"/>
+    <p:sldId id="266" r:id="rId11"/>
+    <p:sldId id="258" r:id="rId12"/>
   </p:sldIdLst>
   <p:sldSz cx="12192000" cy="6858000"/>
   <p:notesSz cx="6858000" cy="9144000"/>
   <p:defaultTextStyle>
     <a:defPPr>
-      <a:defRPr lang="en-US"/>
+      <a:defRPr lang="en"/>
     </a:defPPr>
     <a:lvl1pPr marL="0" algn="l" defTabSz="914400" rtl="0" eaLnBrk="1" latinLnBrk="0" hangingPunct="1">
       <a:defRPr sz="1800" kern="1200">
@@ -202,7 +207,7 @@
           <a:p>
             <a:fld id="{056BA3B8-9F76-4D81-B71D-76CB85363062}" type="datetimeFigureOut">
               <a:rPr lang="en-US" smtClean="0"/>
-              <a:t>1/1/2025</a:t>
+              <a:t>3/4/2025</a:t>
             </a:fld>
             <a:endParaRPr lang="en-US"/>
           </a:p>
@@ -601,7 +606,7 @@
           <a:p>
             <a:fld id="{6F01DA4D-20EA-48D2-973C-0311EC3005D6}" type="datetimeFigureOut">
               <a:rPr lang="en-US" smtClean="0"/>
-              <a:t>1/1/2025</a:t>
+              <a:t>3/4/2025</a:t>
             </a:fld>
             <a:endParaRPr lang="en-US"/>
           </a:p>
@@ -771,7 +776,7 @@
           <a:p>
             <a:fld id="{6F01DA4D-20EA-48D2-973C-0311EC3005D6}" type="datetimeFigureOut">
               <a:rPr lang="en-US" smtClean="0"/>
-              <a:t>1/1/2025</a:t>
+              <a:t>3/4/2025</a:t>
             </a:fld>
             <a:endParaRPr lang="en-US"/>
           </a:p>
@@ -951,7 +956,7 @@
           <a:p>
             <a:fld id="{6F01DA4D-20EA-48D2-973C-0311EC3005D6}" type="datetimeFigureOut">
               <a:rPr lang="en-US" smtClean="0"/>
-              <a:t>1/1/2025</a:t>
+              <a:t>3/4/2025</a:t>
             </a:fld>
             <a:endParaRPr lang="en-US"/>
           </a:p>
@@ -1121,7 +1126,7 @@
           <a:p>
             <a:fld id="{6F01DA4D-20EA-48D2-973C-0311EC3005D6}" type="datetimeFigureOut">
               <a:rPr lang="en-US" smtClean="0"/>
-              <a:t>1/1/2025</a:t>
+              <a:t>3/4/2025</a:t>
             </a:fld>
             <a:endParaRPr lang="en-US"/>
           </a:p>
@@ -1367,7 +1372,7 @@
           <a:p>
             <a:fld id="{6F01DA4D-20EA-48D2-973C-0311EC3005D6}" type="datetimeFigureOut">
               <a:rPr lang="en-US" smtClean="0"/>
-              <a:t>1/1/2025</a:t>
+              <a:t>3/4/2025</a:t>
             </a:fld>
             <a:endParaRPr lang="en-US"/>
           </a:p>
@@ -1599,7 +1604,7 @@
           <a:p>
             <a:fld id="{6F01DA4D-20EA-48D2-973C-0311EC3005D6}" type="datetimeFigureOut">
               <a:rPr lang="en-US" smtClean="0"/>
-              <a:t>1/1/2025</a:t>
+              <a:t>3/4/2025</a:t>
             </a:fld>
             <a:endParaRPr lang="en-US"/>
           </a:p>
@@ -1966,7 +1971,7 @@
           <a:p>
             <a:fld id="{6F01DA4D-20EA-48D2-973C-0311EC3005D6}" type="datetimeFigureOut">
               <a:rPr lang="en-US" smtClean="0"/>
-              <a:t>1/1/2025</a:t>
+              <a:t>3/4/2025</a:t>
             </a:fld>
             <a:endParaRPr lang="en-US"/>
           </a:p>
@@ -2084,7 +2089,7 @@
           <a:p>
             <a:fld id="{6F01DA4D-20EA-48D2-973C-0311EC3005D6}" type="datetimeFigureOut">
               <a:rPr lang="en-US" smtClean="0"/>
-              <a:t>1/1/2025</a:t>
+              <a:t>3/4/2025</a:t>
             </a:fld>
             <a:endParaRPr lang="en-US"/>
           </a:p>
@@ -2179,7 +2184,7 @@
           <a:p>
             <a:fld id="{6F01DA4D-20EA-48D2-973C-0311EC3005D6}" type="datetimeFigureOut">
               <a:rPr lang="en-US" smtClean="0"/>
-              <a:t>1/1/2025</a:t>
+              <a:t>3/4/2025</a:t>
             </a:fld>
             <a:endParaRPr lang="en-US"/>
           </a:p>
@@ -2456,7 +2461,7 @@
           <a:p>
             <a:fld id="{6F01DA4D-20EA-48D2-973C-0311EC3005D6}" type="datetimeFigureOut">
               <a:rPr lang="en-US" smtClean="0"/>
-              <a:t>1/1/2025</a:t>
+              <a:t>3/4/2025</a:t>
             </a:fld>
             <a:endParaRPr lang="en-US"/>
           </a:p>
@@ -2709,7 +2714,7 @@
           <a:p>
             <a:fld id="{6F01DA4D-20EA-48D2-973C-0311EC3005D6}" type="datetimeFigureOut">
               <a:rPr lang="en-US" smtClean="0"/>
-              <a:t>1/1/2025</a:t>
+              <a:t>3/4/2025</a:t>
             </a:fld>
             <a:endParaRPr lang="en-US"/>
           </a:p>
@@ -2922,7 +2927,7 @@
           <a:p>
             <a:fld id="{6F01DA4D-20EA-48D2-973C-0311EC3005D6}" type="datetimeFigureOut">
               <a:rPr lang="en-US" smtClean="0"/>
-              <a:t>1/1/2025</a:t>
+              <a:t>3/4/2025</a:t>
             </a:fld>
             <a:endParaRPr lang="en-US"/>
           </a:p>
@@ -3357,8 +3362,8 @@
           </a:bodyPr>
           <a:lstStyle/>
           <a:p>
-            <a:r>
-              <a:rPr lang="en-US" sz="8000" b="1" dirty="0" smtClean="0">
+            <a:r xmlns:a="http://schemas.openxmlformats.org/drawingml/2006/main">
+              <a:rPr lang="en" sz="8000" b="1" dirty="0" smtClean="0">
                 <a:solidFill>
                   <a:srgbClr val="7030A0"/>
                 </a:solidFill>
@@ -3368,7 +3373,7 @@
               </a:rPr>
               <a:t>Transposition</a:t>
             </a:r>
-            <a:endParaRPr lang="en-US" sz="8000" b="1" dirty="0">
+            <a:endParaRPr xmlns:a="http://schemas.openxmlformats.org/drawingml/2006/main" lang="en-US" sz="8000" b="1" dirty="0">
               <a:solidFill>
                 <a:srgbClr val="7030A0"/>
               </a:solidFill>
@@ -3401,8 +3406,8 @@
           </a:bodyPr>
           <a:lstStyle/>
           <a:p>
-            <a:r>
-              <a:rPr lang="en-US" sz="8000" b="1" dirty="0" smtClean="0">
+            <a:r xmlns:a="http://schemas.openxmlformats.org/drawingml/2006/main">
+              <a:rPr lang="en" sz="8000" b="1" dirty="0" smtClean="0">
                 <a:solidFill>
                   <a:schemeClr val="bg1"/>
                 </a:solidFill>
@@ -3412,7 +3417,7 @@
               </a:rPr>
               <a:t>Transposition</a:t>
             </a:r>
-            <a:endParaRPr lang="en-US" sz="8000" b="1" dirty="0">
+            <a:endParaRPr xmlns:a="http://schemas.openxmlformats.org/drawingml/2006/main" lang="en-US" sz="8000" b="1" dirty="0">
               <a:solidFill>
                 <a:schemeClr val="bg1"/>
               </a:solidFill>
@@ -3427,6 +3432,290 @@
     <p:extLst>
       <p:ext uri="{BB962C8B-B14F-4D97-AF65-F5344CB8AC3E}">
         <p14:creationId xmlns:p14="http://schemas.microsoft.com/office/powerpoint/2010/main" val="4216734246"/>
+      </p:ext>
+    </p:extLst>
+  </p:cSld>
+  <p:clrMapOvr>
+    <a:masterClrMapping/>
+  </p:clrMapOvr>
+</p:sld>
+</file>
+
+<file path=ppt/slides/slide10.xml><?xml version="1.0" encoding="utf-8"?>
+<p:sld xmlns:a="http://schemas.openxmlformats.org/drawingml/2006/main" xmlns:r="http://schemas.openxmlformats.org/officeDocument/2006/relationships" xmlns:p="http://schemas.openxmlformats.org/presentationml/2006/main">
+  <p:cSld>
+    <p:spTree>
+      <p:nvGrpSpPr>
+        <p:cNvPr id="1" name=""/>
+        <p:cNvGrpSpPr/>
+        <p:nvPr/>
+      </p:nvGrpSpPr>
+      <p:grpSpPr>
+        <a:xfrm>
+          <a:off x="0" y="0"/>
+          <a:ext cx="0" cy="0"/>
+          <a:chOff x="0" y="0"/>
+          <a:chExt cx="0" cy="0"/>
+        </a:xfrm>
+      </p:grpSpPr>
+      <p:sp>
+        <p:nvSpPr>
+          <p:cNvPr id="2" name="TextBox 1"/>
+          <p:cNvSpPr txBox="1"/>
+          <p:nvPr/>
+        </p:nvSpPr>
+        <p:spPr>
+          <a:xfrm>
+            <a:off x="302509" y="302508"/>
+            <a:ext cx="1991764" cy="461665"/>
+          </a:xfrm>
+          <a:prstGeom prst="rect">
+            <a:avLst/>
+          </a:prstGeom>
+          <a:noFill/>
+        </p:spPr>
+        <p:txBody>
+          <a:bodyPr wrap="none" rtlCol="0">
+            <a:spAutoFit/>
+          </a:bodyPr>
+          <a:lstStyle/>
+          <a:p>
+            <a:r xmlns:a="http://schemas.openxmlformats.org/drawingml/2006/main">
+              <a:rPr lang="en" sz="2400" dirty="0" smtClean="0">
+                <a:latin typeface="Segoe UI" panose="020B0502040204020203" pitchFamily="34" charset="0"/>
+                <a:cs typeface="Segoe UI" panose="020B0502040204020203" pitchFamily="34" charset="0"/>
+              </a:rPr>
+              <a:t>Transposition</a:t>
+            </a:r>
+            <a:endParaRPr xmlns:a="http://schemas.openxmlformats.org/drawingml/2006/main" lang="en-US" sz="2400" dirty="0">
+              <a:latin typeface="Segoe UI" panose="020B0502040204020203" pitchFamily="34" charset="0"/>
+              <a:cs typeface="Segoe UI" panose="020B0502040204020203" pitchFamily="34" charset="0"/>
+            </a:endParaRPr>
+          </a:p>
+        </p:txBody>
+      </p:sp>
+      <p:sp>
+        <p:nvSpPr>
+          <p:cNvPr id="3" name="Rectangle 2"/>
+          <p:cNvSpPr/>
+          <p:nvPr/>
+        </p:nvSpPr>
+        <p:spPr>
+          <a:xfrm>
+            <a:off x="374169" y="810564"/>
+            <a:ext cx="3065904" cy="400110"/>
+          </a:xfrm>
+          <a:prstGeom prst="rect">
+            <a:avLst/>
+          </a:prstGeom>
+        </p:spPr>
+        <p:txBody>
+          <a:bodyPr wrap="none">
+            <a:spAutoFit/>
+          </a:bodyPr>
+          <a:lstStyle/>
+          <a:p>
+            <a:r xmlns:a="http://schemas.openxmlformats.org/drawingml/2006/main">
+              <a:rPr lang="en" sz="2000" dirty="0" smtClean="0"/>
+              <a:t>The final result should be</a:t>
+            </a:r>
+            <a:endParaRPr xmlns:a="http://schemas.openxmlformats.org/drawingml/2006/main" lang="en-US" sz="2000" dirty="0"/>
+          </a:p>
+        </p:txBody>
+      </p:sp>
+      <p:pic>
+        <p:nvPicPr>
+          <p:cNvPr id="4" name="Picture 3"/>
+          <p:cNvPicPr>
+            <a:picLocks noChangeAspect="1"/>
+          </p:cNvPicPr>
+          <p:nvPr/>
+        </p:nvPicPr>
+        <p:blipFill>
+          <a:blip r:embed="rId2"/>
+          <a:stretch>
+            <a:fillRect/>
+          </a:stretch>
+        </p:blipFill>
+        <p:spPr>
+          <a:xfrm>
+            <a:off x="532239" y="1313704"/>
+            <a:ext cx="6067941" cy="5038665"/>
+          </a:xfrm>
+          <a:prstGeom prst="rect">
+            <a:avLst/>
+          </a:prstGeom>
+        </p:spPr>
+      </p:pic>
+    </p:spTree>
+    <p:extLst>
+      <p:ext uri="{BB962C8B-B14F-4D97-AF65-F5344CB8AC3E}">
+        <p14:creationId xmlns:p14="http://schemas.microsoft.com/office/powerpoint/2010/main" val="2213275724"/>
+      </p:ext>
+    </p:extLst>
+  </p:cSld>
+  <p:clrMapOvr>
+    <a:masterClrMapping/>
+  </p:clrMapOvr>
+</p:sld>
+</file>
+
+<file path=ppt/slides/slide11.xml><?xml version="1.0" encoding="utf-8"?>
+<p:sld xmlns:a="http://schemas.openxmlformats.org/drawingml/2006/main" xmlns:r="http://schemas.openxmlformats.org/officeDocument/2006/relationships" xmlns:p="http://schemas.openxmlformats.org/presentationml/2006/main">
+  <p:cSld>
+    <p:bg>
+      <p:bgPr>
+        <a:solidFill>
+          <a:srgbClr val="FFC000"/>
+        </a:solidFill>
+        <a:effectLst/>
+      </p:bgPr>
+    </p:bg>
+    <p:spTree>
+      <p:nvGrpSpPr>
+        <p:cNvPr id="1" name=""/>
+        <p:cNvGrpSpPr/>
+        <p:nvPr/>
+      </p:nvGrpSpPr>
+      <p:grpSpPr>
+        <a:xfrm>
+          <a:off x="0" y="0"/>
+          <a:ext cx="0" cy="0"/>
+          <a:chOff x="0" y="0"/>
+          <a:chExt cx="0" cy="0"/>
+        </a:xfrm>
+      </p:grpSpPr>
+      <p:sp>
+        <p:nvSpPr>
+          <p:cNvPr id="2" name="AutoShape 2" descr="Minimalistic illustration in black and white on a white background with the text 'Thank You' elegantly styled below. The design features simple, clean icons such as a handshake or a ribbon to symbolize gratitude, with a professional and modern aesthetic suitable for a presentation closing slide."/>
+          <p:cNvSpPr>
+            <a:spLocks noChangeAspect="1" noChangeArrowheads="1"/>
+          </p:cNvSpPr>
+          <p:nvPr/>
+        </p:nvSpPr>
+        <p:spPr bwMode="auto">
+          <a:xfrm>
+            <a:off x="155575" y="-144463"/>
+            <a:ext cx="304800" cy="304801"/>
+          </a:xfrm>
+          <a:prstGeom prst="rect">
+            <a:avLst/>
+          </a:prstGeom>
+          <a:noFill/>
+          <a:extLst>
+            <a:ext uri="{909E8E84-426E-40DD-AFC4-6F175D3DCCD1}">
+              <a14:hiddenFill xmlns:a14="http://schemas.microsoft.com/office/drawing/2010/main">
+                <a:solidFill>
+                  <a:srgbClr val="FFFFFF"/>
+                </a:solidFill>
+              </a14:hiddenFill>
+            </a:ext>
+          </a:extLst>
+        </p:spPr>
+        <p:txBody>
+          <a:bodyPr vert="horz" wrap="square" lIns="91440" tIns="45720" rIns="91440" bIns="45720" numCol="1" anchor="t" anchorCtr="0" compatLnSpc="1">
+            <a:prstTxWarp prst="textNoShape">
+              <a:avLst/>
+            </a:prstTxWarp>
+          </a:bodyPr>
+          <a:lstStyle/>
+          <a:p>
+            <a:endParaRPr lang="en-US"/>
+          </a:p>
+        </p:txBody>
+      </p:sp>
+      <p:sp>
+        <p:nvSpPr>
+          <p:cNvPr id="7" name="TextBox 6"/>
+          <p:cNvSpPr txBox="1"/>
+          <p:nvPr/>
+        </p:nvSpPr>
+        <p:spPr>
+          <a:xfrm>
+            <a:off x="4084981" y="2485566"/>
+            <a:ext cx="3456395" cy="1569660"/>
+          </a:xfrm>
+          <a:prstGeom prst="rect">
+            <a:avLst/>
+          </a:prstGeom>
+          <a:noFill/>
+        </p:spPr>
+        <p:txBody>
+          <a:bodyPr wrap="none" rtlCol="0">
+            <a:spAutoFit/>
+          </a:bodyPr>
+          <a:lstStyle/>
+          <a:p>
+            <a:r xmlns:a="http://schemas.openxmlformats.org/drawingml/2006/main">
+              <a:rPr lang="en" sz="9600" b="1" dirty="0" smtClean="0">
+                <a:solidFill>
+                  <a:srgbClr val="7030A0"/>
+                </a:solidFill>
+                <a:latin typeface="Segoe UI" panose="020B0502040204020203" pitchFamily="34" charset="0"/>
+                <a:ea typeface="Verdana" panose="020B0604030504040204" pitchFamily="34" charset="0"/>
+                <a:cs typeface="Segoe UI" panose="020B0502040204020203" pitchFamily="34" charset="0"/>
+              </a:rPr>
+              <a:t>THANKS</a:t>
+            </a:r>
+            <a:endParaRPr xmlns:a="http://schemas.openxmlformats.org/drawingml/2006/main" lang="en-US" sz="9600" b="1" dirty="0">
+              <a:solidFill>
+                <a:srgbClr val="7030A0"/>
+              </a:solidFill>
+              <a:latin typeface="Segoe UI" panose="020B0502040204020203" pitchFamily="34" charset="0"/>
+              <a:ea typeface="Verdana" panose="020B0604030504040204" pitchFamily="34" charset="0"/>
+              <a:cs typeface="Segoe UI" panose="020B0502040204020203" pitchFamily="34" charset="0"/>
+            </a:endParaRPr>
+          </a:p>
+        </p:txBody>
+      </p:sp>
+      <p:sp>
+        <p:nvSpPr>
+          <p:cNvPr id="8" name="TextBox 7"/>
+          <p:cNvSpPr txBox="1"/>
+          <p:nvPr/>
+        </p:nvSpPr>
+        <p:spPr>
+          <a:xfrm>
+            <a:off x="4014739" y="2410365"/>
+            <a:ext cx="3456395" cy="1569660"/>
+          </a:xfrm>
+          <a:prstGeom prst="rect">
+            <a:avLst/>
+          </a:prstGeom>
+          <a:noFill/>
+        </p:spPr>
+        <p:txBody>
+          <a:bodyPr wrap="none" rtlCol="0">
+            <a:spAutoFit/>
+          </a:bodyPr>
+          <a:lstStyle/>
+          <a:p>
+            <a:r xmlns:a="http://schemas.openxmlformats.org/drawingml/2006/main">
+              <a:rPr lang="en" sz="9600" b="1" dirty="0" smtClean="0">
+                <a:solidFill>
+                  <a:schemeClr val="bg1"/>
+                </a:solidFill>
+                <a:latin typeface="Segoe UI" panose="020B0502040204020203" pitchFamily="34" charset="0"/>
+                <a:ea typeface="Verdana" panose="020B0604030504040204" pitchFamily="34" charset="0"/>
+                <a:cs typeface="Segoe UI" panose="020B0502040204020203" pitchFamily="34" charset="0"/>
+              </a:rPr>
+              <a:t>THANKS</a:t>
+            </a:r>
+            <a:endParaRPr xmlns:a="http://schemas.openxmlformats.org/drawingml/2006/main" lang="en-US" sz="9600" b="1" dirty="0">
+              <a:solidFill>
+                <a:schemeClr val="bg1"/>
+              </a:solidFill>
+              <a:latin typeface="Segoe UI" panose="020B0502040204020203" pitchFamily="34" charset="0"/>
+              <a:ea typeface="Verdana" panose="020B0604030504040204" pitchFamily="34" charset="0"/>
+              <a:cs typeface="Segoe UI" panose="020B0502040204020203" pitchFamily="34" charset="0"/>
+            </a:endParaRPr>
+          </a:p>
+        </p:txBody>
+      </p:sp>
+    </p:spTree>
+    <p:extLst>
+      <p:ext uri="{BB962C8B-B14F-4D97-AF65-F5344CB8AC3E}">
+        <p14:creationId xmlns:p14="http://schemas.microsoft.com/office/powerpoint/2010/main" val="3494127604"/>
       </p:ext>
     </p:extLst>
   </p:cSld>
@@ -3462,7 +3751,7 @@
         <p:spPr>
           <a:xfrm>
             <a:off x="302509" y="302508"/>
-            <a:ext cx="1991764" cy="461665"/>
+            <a:ext cx="2133213" cy="461665"/>
           </a:xfrm>
           <a:prstGeom prst="rect">
             <a:avLst/>
@@ -3475,14 +3764,14 @@
           </a:bodyPr>
           <a:lstStyle/>
           <a:p>
-            <a:r>
-              <a:rPr lang="fr-FR" sz="2400" dirty="0" smtClean="0">
+            <a:r xmlns:a="http://schemas.openxmlformats.org/drawingml/2006/main">
+              <a:rPr lang="en" sz="2400" b="1" dirty="0" smtClean="0">
                 <a:latin typeface="Segoe UI" panose="020B0502040204020203" pitchFamily="34" charset="0"/>
                 <a:cs typeface="Segoe UI" panose="020B0502040204020203" pitchFamily="34" charset="0"/>
               </a:rPr>
               <a:t>Transposition</a:t>
             </a:r>
-            <a:endParaRPr lang="en-US" sz="2400" dirty="0">
+            <a:endParaRPr xmlns:a="http://schemas.openxmlformats.org/drawingml/2006/main" lang="en-US" sz="2400" b="1" dirty="0">
               <a:latin typeface="Segoe UI" panose="020B0502040204020203" pitchFamily="34" charset="0"/>
               <a:cs typeface="Segoe UI" panose="020B0502040204020203" pitchFamily="34" charset="0"/>
             </a:endParaRPr>
@@ -3491,151 +3780,92 @@
       </p:sp>
       <p:sp>
         <p:nvSpPr>
-          <p:cNvPr id="3" name="Rectangle 2"/>
+          <p:cNvPr id="4" name="Rectangle 3"/>
           <p:cNvSpPr/>
           <p:nvPr/>
         </p:nvSpPr>
         <p:spPr>
           <a:xfrm>
-            <a:off x="302509" y="872661"/>
-            <a:ext cx="10697792" cy="388696"/>
+            <a:off x="282895" y="1384849"/>
+            <a:ext cx="4901085" cy="400110"/>
           </a:xfrm>
           <a:prstGeom prst="rect">
             <a:avLst/>
           </a:prstGeom>
         </p:spPr>
         <p:txBody>
+          <a:bodyPr wrap="none">
+            <a:spAutoFit/>
+          </a:bodyPr>
+          <a:lstStyle/>
+          <a:p>
+            <a:r xmlns:a="http://schemas.openxmlformats.org/drawingml/2006/main">
+              <a:rPr lang="en" sz="2000" b="1" dirty="0"/>
+              <a:t>Power </a:t>
+            </a:r>
+            <a:r xmlns:a="http://schemas.openxmlformats.org/drawingml/2006/main">
+              <a:rPr lang="en" sz="2000" b="1" dirty="0" err="1" smtClean="0"/>
+              <a:t>Query </a:t>
+            </a:r>
+            <a:endParaRPr xmlns:a="http://schemas.openxmlformats.org/drawingml/2006/main" lang="en-US" sz="2000" dirty="0"/>
+            <a:r xmlns:a="http://schemas.openxmlformats.org/drawingml/2006/main">
+              <a:rPr lang="en" sz="2000" dirty="0"/>
+              <a:t>Editor</a:t>
+            </a:r>
+          </a:p>
+        </p:txBody>
+      </p:sp>
+      <p:sp>
+        <p:nvSpPr>
+          <p:cNvPr id="6" name="Rectangle 5"/>
+          <p:cNvSpPr/>
+          <p:nvPr/>
+        </p:nvSpPr>
+        <p:spPr>
+          <a:xfrm>
+            <a:off x="302509" y="887665"/>
+            <a:ext cx="11715320" cy="400110"/>
+          </a:xfrm>
+          <a:prstGeom prst="rect">
+            <a:avLst/>
+          </a:prstGeom>
+        </p:spPr>
+        <p:txBody>
           <a:bodyPr wrap="square">
             <a:spAutoFit/>
           </a:bodyPr>
           <a:lstStyle/>
           <a:p>
-            <a:pPr>
-              <a:lnSpc>
-                <a:spcPct val="107000"/>
-              </a:lnSpc>
-              <a:spcBef>
-                <a:spcPts val="1200"/>
-              </a:spcBef>
-              <a:spcAft>
-                <a:spcPts val="0"/>
-              </a:spcAft>
-            </a:pPr>
-            <a:r>
-              <a:rPr lang="fr-FR" b="1" kern="0" dirty="0">
-                <a:latin typeface="Segoe UI" panose="020B0502040204020203" pitchFamily="34" charset="0"/>
-                <a:ea typeface="Times New Roman" panose="02020603050405020304" pitchFamily="18" charset="0"/>
-                <a:cs typeface="Times New Roman" panose="02020603050405020304" pitchFamily="18" charset="0"/>
-              </a:rPr>
-              <a:t>Note: </a:t>
-            </a:r>
-            <a:r>
-              <a:rPr lang="fr-FR" kern="0" dirty="0">
-                <a:latin typeface="Segoe UI" panose="020B0502040204020203" pitchFamily="34" charset="0"/>
-                <a:ea typeface="Times New Roman" panose="02020603050405020304" pitchFamily="18" charset="0"/>
-                <a:cs typeface="Times New Roman" panose="02020603050405020304" pitchFamily="18" charset="0"/>
-              </a:rPr>
-              <a:t>This </a:t>
-            </a:r>
-            <a:r>
-              <a:rPr lang="fr-FR" kern="0" dirty="0" err="1">
-                <a:latin typeface="Segoe UI" panose="020B0502040204020203" pitchFamily="34" charset="0"/>
-                <a:ea typeface="Times New Roman" panose="02020603050405020304" pitchFamily="18" charset="0"/>
-                <a:cs typeface="Times New Roman" panose="02020603050405020304" pitchFamily="18" charset="0"/>
-              </a:rPr>
-              <a:t>Lab</a:t>
-            </a:r>
-            <a:r>
-              <a:rPr lang="fr-FR" kern="0" dirty="0">
-                <a:latin typeface="Segoe UI" panose="020B0502040204020203" pitchFamily="34" charset="0"/>
-                <a:ea typeface="Times New Roman" panose="02020603050405020304" pitchFamily="18" charset="0"/>
-                <a:cs typeface="Times New Roman" panose="02020603050405020304" pitchFamily="18" charset="0"/>
-              </a:rPr>
-              <a:t> uses</a:t>
-            </a:r>
-            <a:r>
-              <a:rPr lang="fr-FR" b="1" kern="0" dirty="0">
-                <a:latin typeface="Segoe UI" panose="020B0502040204020203" pitchFamily="34" charset="0"/>
-                <a:ea typeface="Times New Roman" panose="02020603050405020304" pitchFamily="18" charset="0"/>
-                <a:cs typeface="Times New Roman" panose="02020603050405020304" pitchFamily="18" charset="0"/>
-              </a:rPr>
-              <a:t> the DimStore.csv </a:t>
-            </a:r>
-            <a:r>
-              <a:rPr lang="fr-FR" kern="0" dirty="0">
-                <a:latin typeface="Segoe UI" panose="020B0502040204020203" pitchFamily="34" charset="0"/>
-                <a:ea typeface="Times New Roman" panose="02020603050405020304" pitchFamily="18" charset="0"/>
-                <a:cs typeface="Times New Roman" panose="02020603050405020304" pitchFamily="18" charset="0"/>
-              </a:rPr>
-              <a:t>file </a:t>
-            </a:r>
-            <a:r>
-              <a:rPr lang="fr-FR" kern="0" dirty="0" err="1">
-                <a:latin typeface="Segoe UI" panose="020B0502040204020203" pitchFamily="34" charset="0"/>
-                <a:ea typeface="Times New Roman" panose="02020603050405020304" pitchFamily="18" charset="0"/>
-                <a:cs typeface="Times New Roman" panose="02020603050405020304" pitchFamily="18" charset="0"/>
-              </a:rPr>
-              <a:t>located</a:t>
-            </a:r>
-            <a:r>
-              <a:rPr lang="fr-FR" kern="0" dirty="0">
-                <a:latin typeface="Segoe UI" panose="020B0502040204020203" pitchFamily="34" charset="0"/>
-                <a:ea typeface="Times New Roman" panose="02020603050405020304" pitchFamily="18" charset="0"/>
-                <a:cs typeface="Times New Roman" panose="02020603050405020304" pitchFamily="18" charset="0"/>
-              </a:rPr>
-              <a:t> in the </a:t>
-            </a:r>
-            <a:r>
-              <a:rPr lang="fr-FR" b="1" kern="0" dirty="0" err="1">
-                <a:latin typeface="Segoe UI" panose="020B0502040204020203" pitchFamily="34" charset="0"/>
-                <a:ea typeface="Times New Roman" panose="02020603050405020304" pitchFamily="18" charset="0"/>
-                <a:cs typeface="Times New Roman" panose="02020603050405020304" pitchFamily="18" charset="0"/>
-              </a:rPr>
-              <a:t>resources</a:t>
-            </a:r>
-            <a:r>
-              <a:rPr lang="fr-FR" b="1" kern="0" dirty="0">
-                <a:latin typeface="Segoe UI" panose="020B0502040204020203" pitchFamily="34" charset="0"/>
-                <a:ea typeface="Times New Roman" panose="02020603050405020304" pitchFamily="18" charset="0"/>
-                <a:cs typeface="Times New Roman" panose="02020603050405020304" pitchFamily="18" charset="0"/>
-              </a:rPr>
-              <a:t>\Advanced Transformations </a:t>
-            </a:r>
-            <a:r>
-              <a:rPr lang="fr-FR" b="1" kern="0" dirty="0" err="1">
-                <a:latin typeface="Segoe UI" panose="020B0502040204020203" pitchFamily="34" charset="0"/>
-                <a:ea typeface="Times New Roman" panose="02020603050405020304" pitchFamily="18" charset="0"/>
-                <a:cs typeface="Times New Roman" panose="02020603050405020304" pitchFamily="18" charset="0"/>
-              </a:rPr>
-              <a:t>folder</a:t>
-            </a:r>
-            <a:r>
-              <a:rPr lang="fr-FR" kern="0" dirty="0">
-                <a:latin typeface="Segoe UI" panose="020B0502040204020203" pitchFamily="34" charset="0"/>
-                <a:ea typeface="Times New Roman" panose="02020603050405020304" pitchFamily="18" charset="0"/>
-                <a:cs typeface="Times New Roman" panose="02020603050405020304" pitchFamily="18" charset="0"/>
-              </a:rPr>
-              <a:t> </a:t>
-            </a:r>
-            <a:endParaRPr lang="en-US" sz="2800" b="1" kern="0" dirty="0">
-              <a:effectLst/>
-              <a:latin typeface="Segoe UI" panose="020B0502040204020203" pitchFamily="34" charset="0"/>
-              <a:ea typeface="Times New Roman" panose="02020603050405020304" pitchFamily="18" charset="0"/>
-              <a:cs typeface="Times New Roman" panose="02020603050405020304" pitchFamily="18" charset="0"/>
-            </a:endParaRPr>
-          </a:p>
-        </p:txBody>
-      </p:sp>
-      <p:sp>
-        <p:nvSpPr>
-          <p:cNvPr id="5" name="Rectangle 4"/>
+            <a:r xmlns:a="http://schemas.openxmlformats.org/drawingml/2006/main">
+              <a:rPr lang="en" sz="2000" dirty="0"/>
+              <a:t>Note: This lab uses the </a:t>
+            </a:r>
+            <a:r xmlns:a="http://schemas.openxmlformats.org/drawingml/2006/main">
+              <a:rPr lang="en" sz="2000" b="1" dirty="0"/>
+              <a:t>DimStore.csv file </a:t>
+            </a:r>
+            <a:r xmlns:a="http://schemas.openxmlformats.org/drawingml/2006/main">
+              <a:rPr lang="en" sz="2000" dirty="0"/>
+              <a:t>located in the </a:t>
+            </a:r>
+            <a:r xmlns:a="http://schemas.openxmlformats.org/drawingml/2006/main">
+              <a:rPr lang="en" sz="2000" b="1" dirty="0" smtClean="0"/>
+              <a:t>Advanced Transformations folder</a:t>
+            </a:r>
+            <a:endParaRPr xmlns:a="http://schemas.openxmlformats.org/drawingml/2006/main" lang="en-US" sz="2000" b="1" dirty="0"/>
+          </a:p>
+        </p:txBody>
+      </p:sp>
+      <p:sp>
+        <p:nvSpPr>
+          <p:cNvPr id="7" name="Rectangle 6"/>
           <p:cNvSpPr/>
           <p:nvPr/>
         </p:nvSpPr>
         <p:spPr>
           <a:xfrm>
-            <a:off x="282895" y="1975654"/>
-            <a:ext cx="3807709" cy="373692"/>
+            <a:off x="282894" y="1882033"/>
+            <a:ext cx="4052007" cy="400110"/>
           </a:xfrm>
           <a:prstGeom prst="rect">
             <a:avLst/>
@@ -3647,34 +3877,17 @@
           </a:bodyPr>
           <a:lstStyle/>
           <a:p>
-            <a:pPr lvl="0">
-              <a:lnSpc>
-                <a:spcPct val="107000"/>
-              </a:lnSpc>
-              <a:spcAft>
-                <a:spcPts val="800"/>
-              </a:spcAft>
-            </a:pPr>
-            <a:r>
-              <a:rPr lang="en-US" dirty="0" smtClean="0">
-                <a:latin typeface="Segoe UI" panose="020B0502040204020203" pitchFamily="34" charset="0"/>
-                <a:ea typeface="Calibri" panose="020F0502020204030204" pitchFamily="34" charset="0"/>
-                <a:cs typeface="Times New Roman" panose="02020603050405020304" pitchFamily="18" charset="0"/>
-              </a:rPr>
-              <a:t>Observe the data structure carefully</a:t>
-            </a:r>
-            <a:endParaRPr lang="en-US" sz="1400" dirty="0">
-              <a:effectLst/>
-              <a:latin typeface="Calibri" panose="020F0502020204030204" pitchFamily="34" charset="0"/>
-              <a:ea typeface="Calibri" panose="020F0502020204030204" pitchFamily="34" charset="0"/>
-              <a:cs typeface="Times New Roman" panose="02020603050405020304" pitchFamily="18" charset="0"/>
-            </a:endParaRPr>
+            <a:r xmlns:a="http://schemas.openxmlformats.org/drawingml/2006/main">
+              <a:rPr lang="en" sz="2000" dirty="0" smtClean="0"/>
+              <a:t>Observe the data carefully</a:t>
+            </a:r>
+            <a:endParaRPr xmlns:a="http://schemas.openxmlformats.org/drawingml/2006/main" lang="en-US" sz="2000" dirty="0"/>
           </a:p>
         </p:txBody>
       </p:sp>
       <p:pic>
         <p:nvPicPr>
-          <p:cNvPr id="11" name="Picture 10"/>
+          <p:cNvPr id="3" name="Picture 2"/>
           <p:cNvPicPr>
             <a:picLocks noChangeAspect="1"/>
           </p:cNvPicPr>
@@ -3688,68 +3901,14 @@
         </p:blipFill>
         <p:spPr>
           <a:xfrm>
-            <a:off x="398761" y="2472838"/>
-            <a:ext cx="6439799" cy="2514951"/>
+            <a:off x="441133" y="2514967"/>
+            <a:ext cx="11327869" cy="1960780"/>
           </a:xfrm>
           <a:prstGeom prst="rect">
             <a:avLst/>
           </a:prstGeom>
         </p:spPr>
       </p:pic>
-      <p:sp>
-        <p:nvSpPr>
-          <p:cNvPr id="12" name="Rectangle 11"/>
-          <p:cNvSpPr/>
-          <p:nvPr/>
-        </p:nvSpPr>
-        <p:spPr>
-          <a:xfrm>
-            <a:off x="302509" y="1478470"/>
-            <a:ext cx="4044633" cy="373692"/>
-          </a:xfrm>
-          <a:prstGeom prst="rect">
-            <a:avLst/>
-          </a:prstGeom>
-        </p:spPr>
-        <p:txBody>
-          <a:bodyPr wrap="none">
-            <a:spAutoFit/>
-          </a:bodyPr>
-          <a:lstStyle/>
-          <a:p>
-            <a:pPr lvl="0">
-              <a:lnSpc>
-                <a:spcPct val="107000"/>
-              </a:lnSpc>
-              <a:spcAft>
-                <a:spcPts val="800"/>
-              </a:spcAft>
-            </a:pPr>
-            <a:r>
-              <a:rPr lang="en-US" dirty="0" smtClean="0">
-                <a:latin typeface="Segoe UI" panose="020B0502040204020203" pitchFamily="34" charset="0"/>
-                <a:ea typeface="Calibri" panose="020F0502020204030204" pitchFamily="34" charset="0"/>
-                <a:cs typeface="Times New Roman" panose="02020603050405020304" pitchFamily="18" charset="0"/>
-              </a:rPr>
-              <a:t>Edit the query in </a:t>
-            </a:r>
-            <a:r>
-              <a:rPr lang="en-US" b="1" dirty="0" smtClean="0">
-                <a:latin typeface="Segoe UI" panose="020B0502040204020203" pitchFamily="34" charset="0"/>
-                <a:ea typeface="Calibri" panose="020F0502020204030204" pitchFamily="34" charset="0"/>
-                <a:cs typeface="Times New Roman" panose="02020603050405020304" pitchFamily="18" charset="0"/>
-              </a:rPr>
-              <a:t>Power Query Editor</a:t>
-            </a:r>
-            <a:endParaRPr lang="en-US" sz="1400" dirty="0">
-              <a:effectLst/>
-              <a:latin typeface="Calibri" panose="020F0502020204030204" pitchFamily="34" charset="0"/>
-              <a:ea typeface="Calibri" panose="020F0502020204030204" pitchFamily="34" charset="0"/>
-              <a:cs typeface="Times New Roman" panose="02020603050405020304" pitchFamily="18" charset="0"/>
-            </a:endParaRPr>
-          </a:p>
-        </p:txBody>
-      </p:sp>
     </p:spTree>
     <p:extLst>
       <p:ext uri="{BB962C8B-B14F-4D97-AF65-F5344CB8AC3E}">
@@ -3789,7 +3948,7 @@
         <p:spPr>
           <a:xfrm>
             <a:off x="302509" y="302508"/>
-            <a:ext cx="1991764" cy="461665"/>
+            <a:ext cx="2133213" cy="461665"/>
           </a:xfrm>
           <a:prstGeom prst="rect">
             <a:avLst/>
@@ -3802,280 +3961,16 @@
           </a:bodyPr>
           <a:lstStyle/>
           <a:p>
-            <a:r>
-              <a:rPr lang="fr-FR" sz="2400" dirty="0" smtClean="0">
+            <a:r xmlns:a="http://schemas.openxmlformats.org/drawingml/2006/main">
+              <a:rPr lang="en" sz="2400" b="1" dirty="0" smtClean="0">
                 <a:latin typeface="Segoe UI" panose="020B0502040204020203" pitchFamily="34" charset="0"/>
                 <a:cs typeface="Segoe UI" panose="020B0502040204020203" pitchFamily="34" charset="0"/>
               </a:rPr>
               <a:t>Transposition</a:t>
             </a:r>
-            <a:endParaRPr lang="en-US" sz="2400" dirty="0">
+            <a:endParaRPr xmlns:a="http://schemas.openxmlformats.org/drawingml/2006/main" lang="en-US" sz="2400" b="1" dirty="0">
               <a:latin typeface="Segoe UI" panose="020B0502040204020203" pitchFamily="34" charset="0"/>
               <a:cs typeface="Segoe UI" panose="020B0502040204020203" pitchFamily="34" charset="0"/>
-            </a:endParaRPr>
-          </a:p>
-        </p:txBody>
-      </p:sp>
-      <p:sp>
-        <p:nvSpPr>
-          <p:cNvPr id="7" name="Rectangle 6"/>
-          <p:cNvSpPr/>
-          <p:nvPr/>
-        </p:nvSpPr>
-        <p:spPr>
-          <a:xfrm>
-            <a:off x="302509" y="854808"/>
-            <a:ext cx="2104872" cy="373692"/>
-          </a:xfrm>
-          <a:prstGeom prst="rect">
-            <a:avLst/>
-          </a:prstGeom>
-        </p:spPr>
-        <p:txBody>
-          <a:bodyPr wrap="none">
-            <a:spAutoFit/>
-          </a:bodyPr>
-          <a:lstStyle/>
-          <a:p>
-            <a:pPr lvl="0">
-              <a:lnSpc>
-                <a:spcPct val="107000"/>
-              </a:lnSpc>
-              <a:spcAft>
-                <a:spcPts val="800"/>
-              </a:spcAft>
-            </a:pPr>
-            <a:r>
-              <a:rPr lang="en-US" dirty="0" smtClean="0">
-                <a:latin typeface="Segoe UI" panose="020B0502040204020203" pitchFamily="34" charset="0"/>
-                <a:ea typeface="Calibri" panose="020F0502020204030204" pitchFamily="34" charset="0"/>
-                <a:cs typeface="Times New Roman" panose="02020603050405020304" pitchFamily="18" charset="0"/>
-              </a:rPr>
-              <a:t>Delete the first line</a:t>
-            </a:r>
-            <a:endParaRPr lang="en-US" sz="1400" dirty="0">
-              <a:effectLst/>
-              <a:latin typeface="Calibri" panose="020F0502020204030204" pitchFamily="34" charset="0"/>
-              <a:ea typeface="Calibri" panose="020F0502020204030204" pitchFamily="34" charset="0"/>
-              <a:cs typeface="Times New Roman" panose="02020603050405020304" pitchFamily="18" charset="0"/>
-            </a:endParaRPr>
-          </a:p>
-        </p:txBody>
-      </p:sp>
-      <p:sp>
-        <p:nvSpPr>
-          <p:cNvPr id="8" name="Rectangle 7"/>
-          <p:cNvSpPr/>
-          <p:nvPr/>
-        </p:nvSpPr>
-        <p:spPr>
-          <a:xfrm>
-            <a:off x="302509" y="1258773"/>
-            <a:ext cx="8277857" cy="373692"/>
-          </a:xfrm>
-          <a:prstGeom prst="rect">
-            <a:avLst/>
-          </a:prstGeom>
-        </p:spPr>
-        <p:txBody>
-          <a:bodyPr wrap="square">
-            <a:spAutoFit/>
-          </a:bodyPr>
-          <a:lstStyle/>
-          <a:p>
-            <a:pPr lvl="0">
-              <a:lnSpc>
-                <a:spcPct val="107000"/>
-              </a:lnSpc>
-              <a:spcAft>
-                <a:spcPts val="800"/>
-              </a:spcAft>
-            </a:pPr>
-            <a:r>
-              <a:rPr lang="en-US" dirty="0" smtClean="0">
-                <a:latin typeface="Segoe UI" panose="020B0502040204020203" pitchFamily="34" charset="0"/>
-                <a:ea typeface="Calibri" panose="020F0502020204030204" pitchFamily="34" charset="0"/>
-                <a:cs typeface="Times New Roman" panose="02020603050405020304" pitchFamily="18" charset="0"/>
-              </a:rPr>
-              <a:t>Note that at </a:t>
-            </a:r>
-            <a:r>
-              <a:rPr lang="en-US" b="1" dirty="0" smtClean="0">
-                <a:latin typeface="Segoe UI" panose="020B0502040204020203" pitchFamily="34" charset="0"/>
-                <a:ea typeface="Calibri" panose="020F0502020204030204" pitchFamily="34" charset="0"/>
-                <a:cs typeface="Times New Roman" panose="02020603050405020304" pitchFamily="18" charset="0"/>
-              </a:rPr>
-              <a:t>Column1 </a:t>
-            </a:r>
-            <a:r>
-              <a:rPr lang="en-US" dirty="0" smtClean="0">
-                <a:latin typeface="Segoe UI" panose="020B0502040204020203" pitchFamily="34" charset="0"/>
-                <a:ea typeface="Calibri" panose="020F0502020204030204" pitchFamily="34" charset="0"/>
-                <a:cs typeface="Times New Roman" panose="02020603050405020304" pitchFamily="18" charset="0"/>
-              </a:rPr>
-              <a:t>the values are </a:t>
-            </a:r>
-            <a:r>
-              <a:rPr lang="en-US" b="1" dirty="0" smtClean="0">
-                <a:latin typeface="Segoe UI" panose="020B0502040204020203" pitchFamily="34" charset="0"/>
-                <a:ea typeface="Calibri" panose="020F0502020204030204" pitchFamily="34" charset="0"/>
-                <a:cs typeface="Times New Roman" panose="02020603050405020304" pitchFamily="18" charset="0"/>
-              </a:rPr>
-              <a:t>Town </a:t>
-            </a:r>
-            <a:r>
-              <a:rPr lang="en-US" dirty="0" smtClean="0">
-                <a:latin typeface="Segoe UI" panose="020B0502040204020203" pitchFamily="34" charset="0"/>
-                <a:ea typeface="Calibri" panose="020F0502020204030204" pitchFamily="34" charset="0"/>
-                <a:cs typeface="Times New Roman" panose="02020603050405020304" pitchFamily="18" charset="0"/>
-              </a:rPr>
-              <a:t>, </a:t>
-            </a:r>
-            <a:r>
-              <a:rPr lang="en-US" b="1" dirty="0" smtClean="0">
-                <a:latin typeface="Segoe UI" panose="020B0502040204020203" pitchFamily="34" charset="0"/>
-                <a:ea typeface="Calibri" panose="020F0502020204030204" pitchFamily="34" charset="0"/>
-                <a:cs typeface="Times New Roman" panose="02020603050405020304" pitchFamily="18" charset="0"/>
-              </a:rPr>
-              <a:t>Latitude </a:t>
-            </a:r>
-            <a:r>
-              <a:rPr lang="en-US" dirty="0" smtClean="0">
-                <a:latin typeface="Segoe UI" panose="020B0502040204020203" pitchFamily="34" charset="0"/>
-                <a:ea typeface="Calibri" panose="020F0502020204030204" pitchFamily="34" charset="0"/>
-                <a:cs typeface="Times New Roman" panose="02020603050405020304" pitchFamily="18" charset="0"/>
-              </a:rPr>
-              <a:t>, </a:t>
-            </a:r>
-            <a:r>
-              <a:rPr lang="en-US" b="1" dirty="0" smtClean="0">
-                <a:latin typeface="Segoe UI" panose="020B0502040204020203" pitchFamily="34" charset="0"/>
-                <a:ea typeface="Calibri" panose="020F0502020204030204" pitchFamily="34" charset="0"/>
-                <a:cs typeface="Times New Roman" panose="02020603050405020304" pitchFamily="18" charset="0"/>
-              </a:rPr>
-              <a:t>Longitude</a:t>
-            </a:r>
-            <a:endParaRPr lang="en-US" sz="1400" dirty="0">
-              <a:effectLst/>
-              <a:latin typeface="Calibri" panose="020F0502020204030204" pitchFamily="34" charset="0"/>
-              <a:ea typeface="Calibri" panose="020F0502020204030204" pitchFamily="34" charset="0"/>
-              <a:cs typeface="Times New Roman" panose="02020603050405020304" pitchFamily="18" charset="0"/>
-            </a:endParaRPr>
-          </a:p>
-        </p:txBody>
-      </p:sp>
-      <p:sp>
-        <p:nvSpPr>
-          <p:cNvPr id="9" name="Rectangle 8"/>
-          <p:cNvSpPr/>
-          <p:nvPr/>
-        </p:nvSpPr>
-        <p:spPr>
-          <a:xfrm>
-            <a:off x="302509" y="1770848"/>
-            <a:ext cx="4866653" cy="373692"/>
-          </a:xfrm>
-          <a:prstGeom prst="rect">
-            <a:avLst/>
-          </a:prstGeom>
-        </p:spPr>
-        <p:txBody>
-          <a:bodyPr wrap="none">
-            <a:spAutoFit/>
-          </a:bodyPr>
-          <a:lstStyle/>
-          <a:p>
-            <a:pPr lvl="0">
-              <a:lnSpc>
-                <a:spcPct val="107000"/>
-              </a:lnSpc>
-              <a:spcAft>
-                <a:spcPts val="800"/>
-              </a:spcAft>
-            </a:pPr>
-            <a:r>
-              <a:rPr lang="en-US" dirty="0" smtClean="0">
-                <a:latin typeface="Segoe UI" panose="020B0502040204020203" pitchFamily="34" charset="0"/>
-                <a:ea typeface="Calibri" panose="020F0502020204030204" pitchFamily="34" charset="0"/>
-                <a:cs typeface="Times New Roman" panose="02020603050405020304" pitchFamily="18" charset="0"/>
-              </a:rPr>
-              <a:t>Select the </a:t>
-            </a:r>
-            <a:r>
-              <a:rPr lang="en-US" b="1" dirty="0" smtClean="0">
-                <a:latin typeface="Segoe UI" panose="020B0502040204020203" pitchFamily="34" charset="0"/>
-                <a:ea typeface="Calibri" panose="020F0502020204030204" pitchFamily="34" charset="0"/>
-                <a:cs typeface="Times New Roman" panose="02020603050405020304" pitchFamily="18" charset="0"/>
-              </a:rPr>
-              <a:t>Transform tab </a:t>
-            </a:r>
-            <a:r>
-              <a:rPr lang="en-US" dirty="0" smtClean="0">
-                <a:latin typeface="Segoe UI" panose="020B0502040204020203" pitchFamily="34" charset="0"/>
-                <a:ea typeface="Calibri" panose="020F0502020204030204" pitchFamily="34" charset="0"/>
-                <a:cs typeface="Times New Roman" panose="02020603050405020304" pitchFamily="18" charset="0"/>
-              </a:rPr>
-              <a:t>and click </a:t>
-            </a:r>
-            <a:r>
-              <a:rPr lang="en-US" b="1" dirty="0" smtClean="0">
-                <a:latin typeface="Segoe UI" panose="020B0502040204020203" pitchFamily="34" charset="0"/>
-                <a:ea typeface="Calibri" panose="020F0502020204030204" pitchFamily="34" charset="0"/>
-                <a:cs typeface="Times New Roman" panose="02020603050405020304" pitchFamily="18" charset="0"/>
-              </a:rPr>
-              <a:t>Transpose</a:t>
-            </a:r>
-            <a:endParaRPr lang="en-US" sz="1400" dirty="0">
-              <a:effectLst/>
-              <a:latin typeface="Calibri" panose="020F0502020204030204" pitchFamily="34" charset="0"/>
-              <a:ea typeface="Calibri" panose="020F0502020204030204" pitchFamily="34" charset="0"/>
-              <a:cs typeface="Times New Roman" panose="02020603050405020304" pitchFamily="18" charset="0"/>
-            </a:endParaRPr>
-          </a:p>
-        </p:txBody>
-      </p:sp>
-      <p:sp>
-        <p:nvSpPr>
-          <p:cNvPr id="10" name="Rectangle 9"/>
-          <p:cNvSpPr/>
-          <p:nvPr/>
-        </p:nvSpPr>
-        <p:spPr>
-          <a:xfrm>
-            <a:off x="302509" y="2251348"/>
-            <a:ext cx="3358805" cy="388696"/>
-          </a:xfrm>
-          <a:prstGeom prst="rect">
-            <a:avLst/>
-          </a:prstGeom>
-        </p:spPr>
-        <p:txBody>
-          <a:bodyPr wrap="none">
-            <a:spAutoFit/>
-          </a:bodyPr>
-          <a:lstStyle/>
-          <a:p>
-            <a:pPr lvl="0">
-              <a:lnSpc>
-                <a:spcPct val="107000"/>
-              </a:lnSpc>
-              <a:spcAft>
-                <a:spcPts val="800"/>
-              </a:spcAft>
-            </a:pPr>
-            <a:r>
-              <a:rPr lang="en-US" dirty="0" smtClean="0">
-                <a:latin typeface="Segoe UI" panose="020B0502040204020203" pitchFamily="34" charset="0"/>
-                <a:ea typeface="Calibri" panose="020F0502020204030204" pitchFamily="34" charset="0"/>
-                <a:cs typeface="Times New Roman" panose="02020603050405020304" pitchFamily="18" charset="0"/>
-              </a:rPr>
-              <a:t>Set first row as column headers</a:t>
-            </a:r>
-            <a:endParaRPr lang="en-US" sz="1400" dirty="0">
-              <a:effectLst/>
-              <a:latin typeface="Calibri" panose="020F0502020204030204" pitchFamily="34" charset="0"/>
-              <a:ea typeface="Calibri" panose="020F0502020204030204" pitchFamily="34" charset="0"/>
-              <a:cs typeface="Times New Roman" panose="02020603050405020304" pitchFamily="18" charset="0"/>
             </a:endParaRPr>
           </a:p>
         </p:txBody>
@@ -4096,7 +3991,7 @@
         </p:blipFill>
         <p:spPr>
           <a:xfrm>
-            <a:off x="400277" y="2746852"/>
+            <a:off x="386526" y="1280575"/>
             <a:ext cx="8545118" cy="2410161"/>
           </a:xfrm>
           <a:prstGeom prst="rect">
@@ -4112,7 +4007,7 @@
         </p:nvSpPr>
         <p:spPr>
           <a:xfrm>
-            <a:off x="900648" y="2991125"/>
+            <a:off x="886897" y="1524848"/>
             <a:ext cx="536265" cy="213131"/>
           </a:xfrm>
           <a:prstGeom prst="rect">
@@ -4160,7 +4055,7 @@
         </p:nvSpPr>
         <p:spPr>
           <a:xfrm>
-            <a:off x="7110089" y="3207980"/>
+            <a:off x="7096338" y="1741703"/>
             <a:ext cx="536265" cy="663169"/>
           </a:xfrm>
           <a:prstGeom prst="rect">
@@ -4208,7 +4103,7 @@
         </p:nvSpPr>
         <p:spPr>
           <a:xfrm>
-            <a:off x="7179987" y="3871149"/>
+            <a:off x="7166236" y="2404872"/>
             <a:ext cx="1765408" cy="233757"/>
           </a:xfrm>
           <a:prstGeom prst="rect">
@@ -4245,6 +4140,35 @@
           <a:p>
             <a:pPr algn="ctr"/>
             <a:endParaRPr lang="en-US"/>
+          </a:p>
+        </p:txBody>
+      </p:sp>
+      <p:sp>
+        <p:nvSpPr>
+          <p:cNvPr id="6" name="Rectangle 5"/>
+          <p:cNvSpPr/>
+          <p:nvPr/>
+        </p:nvSpPr>
+        <p:spPr>
+          <a:xfrm>
+            <a:off x="302509" y="764173"/>
+            <a:ext cx="3102452" cy="400110"/>
+          </a:xfrm>
+          <a:prstGeom prst="rect">
+            <a:avLst/>
+          </a:prstGeom>
+        </p:spPr>
+        <p:txBody>
+          <a:bodyPr wrap="none">
+            <a:spAutoFit/>
+          </a:bodyPr>
+          <a:lstStyle/>
+          <a:p>
+            <a:r xmlns:a="http://schemas.openxmlformats.org/drawingml/2006/main">
+              <a:rPr lang="en" sz="2000" dirty="0" smtClean="0"/>
+              <a:t>Delete the first line</a:t>
+            </a:r>
+            <a:endParaRPr xmlns:a="http://schemas.openxmlformats.org/drawingml/2006/main" lang="fr-FR" sz="2000" dirty="0"/>
           </a:p>
         </p:txBody>
       </p:sp>
@@ -4287,7 +4211,7 @@
         <p:spPr>
           <a:xfrm>
             <a:off x="302509" y="302508"/>
-            <a:ext cx="1991764" cy="461665"/>
+            <a:ext cx="2133213" cy="461665"/>
           </a:xfrm>
           <a:prstGeom prst="rect">
             <a:avLst/>
@@ -4300,86 +4224,16 @@
           </a:bodyPr>
           <a:lstStyle/>
           <a:p>
-            <a:r>
-              <a:rPr lang="fr-FR" sz="2400" dirty="0" smtClean="0">
+            <a:r xmlns:a="http://schemas.openxmlformats.org/drawingml/2006/main">
+              <a:rPr lang="en" sz="2400" b="1" dirty="0" smtClean="0">
                 <a:latin typeface="Segoe UI" panose="020B0502040204020203" pitchFamily="34" charset="0"/>
                 <a:cs typeface="Segoe UI" panose="020B0502040204020203" pitchFamily="34" charset="0"/>
               </a:rPr>
               <a:t>Transposition</a:t>
             </a:r>
-            <a:endParaRPr lang="en-US" sz="2400" dirty="0">
+            <a:endParaRPr xmlns:a="http://schemas.openxmlformats.org/drawingml/2006/main" lang="en-US" sz="2400" b="1" dirty="0">
               <a:latin typeface="Segoe UI" panose="020B0502040204020203" pitchFamily="34" charset="0"/>
               <a:cs typeface="Segoe UI" panose="020B0502040204020203" pitchFamily="34" charset="0"/>
-            </a:endParaRPr>
-          </a:p>
-        </p:txBody>
-      </p:sp>
-      <p:sp>
-        <p:nvSpPr>
-          <p:cNvPr id="9" name="Rectangle 8"/>
-          <p:cNvSpPr/>
-          <p:nvPr/>
-        </p:nvSpPr>
-        <p:spPr>
-          <a:xfrm>
-            <a:off x="412512" y="764173"/>
-            <a:ext cx="4866653" cy="373692"/>
-          </a:xfrm>
-          <a:prstGeom prst="rect">
-            <a:avLst/>
-          </a:prstGeom>
-        </p:spPr>
-        <p:txBody>
-          <a:bodyPr wrap="none">
-            <a:spAutoFit/>
-          </a:bodyPr>
-          <a:lstStyle/>
-          <a:p>
-            <a:pPr lvl="0">
-              <a:lnSpc>
-                <a:spcPct val="107000"/>
-              </a:lnSpc>
-              <a:spcAft>
-                <a:spcPts val="800"/>
-              </a:spcAft>
-            </a:pPr>
-            <a:r>
-              <a:rPr lang="en-US" dirty="0" smtClean="0">
-                <a:latin typeface="Segoe UI" panose="020B0502040204020203" pitchFamily="34" charset="0"/>
-                <a:ea typeface="Calibri" panose="020F0502020204030204" pitchFamily="34" charset="0"/>
-                <a:cs typeface="Times New Roman" panose="02020603050405020304" pitchFamily="18" charset="0"/>
-              </a:rPr>
-              <a:t>Select the </a:t>
-            </a:r>
-            <a:r>
-              <a:rPr lang="en-US" b="1" dirty="0" smtClean="0">
-                <a:latin typeface="Segoe UI" panose="020B0502040204020203" pitchFamily="34" charset="0"/>
-                <a:ea typeface="Calibri" panose="020F0502020204030204" pitchFamily="34" charset="0"/>
-                <a:cs typeface="Times New Roman" panose="02020603050405020304" pitchFamily="18" charset="0"/>
-              </a:rPr>
-              <a:t>Transform tab </a:t>
-            </a:r>
-            <a:r>
-              <a:rPr lang="en-US" dirty="0" smtClean="0">
-                <a:latin typeface="Segoe UI" panose="020B0502040204020203" pitchFamily="34" charset="0"/>
-                <a:ea typeface="Calibri" panose="020F0502020204030204" pitchFamily="34" charset="0"/>
-                <a:cs typeface="Times New Roman" panose="02020603050405020304" pitchFamily="18" charset="0"/>
-              </a:rPr>
-              <a:t>and click </a:t>
-            </a:r>
-            <a:r>
-              <a:rPr lang="en-US" b="1" dirty="0" smtClean="0">
-                <a:latin typeface="Segoe UI" panose="020B0502040204020203" pitchFamily="34" charset="0"/>
-                <a:ea typeface="Calibri" panose="020F0502020204030204" pitchFamily="34" charset="0"/>
-                <a:cs typeface="Times New Roman" panose="02020603050405020304" pitchFamily="18" charset="0"/>
-              </a:rPr>
-              <a:t>Transpose</a:t>
-            </a:r>
-            <a:endParaRPr lang="en-US" sz="1400" dirty="0">
-              <a:effectLst/>
-              <a:latin typeface="Calibri" panose="020F0502020204030204" pitchFamily="34" charset="0"/>
-              <a:ea typeface="Calibri" panose="020F0502020204030204" pitchFamily="34" charset="0"/>
-              <a:cs typeface="Times New Roman" panose="02020603050405020304" pitchFamily="18" charset="0"/>
             </a:endParaRPr>
           </a:p>
         </p:txBody>
@@ -4400,7 +4254,7 @@
         </p:blipFill>
         <p:spPr>
           <a:xfrm>
-            <a:off x="487348" y="1288303"/>
+            <a:off x="487348" y="1164738"/>
             <a:ext cx="5207393" cy="4829818"/>
           </a:xfrm>
           <a:prstGeom prst="rect">
@@ -4416,7 +4270,7 @@
         </p:nvSpPr>
         <p:spPr>
           <a:xfrm>
-            <a:off x="1430037" y="1386399"/>
+            <a:off x="1430037" y="1262834"/>
             <a:ext cx="536265" cy="213131"/>
           </a:xfrm>
           <a:prstGeom prst="rect">
@@ -4464,7 +4318,7 @@
         </p:nvSpPr>
         <p:spPr>
           <a:xfrm>
-            <a:off x="1430036" y="1599530"/>
+            <a:off x="1430036" y="1475965"/>
             <a:ext cx="864237" cy="270521"/>
           </a:xfrm>
           <a:prstGeom prst="rect">
@@ -4501,6 +4355,112 @@
           <a:p>
             <a:pPr algn="ctr"/>
             <a:endParaRPr lang="en-US"/>
+          </a:p>
+        </p:txBody>
+      </p:sp>
+      <p:sp>
+        <p:nvSpPr>
+          <p:cNvPr id="4" name="Rectangle 3"/>
+          <p:cNvSpPr/>
+          <p:nvPr/>
+        </p:nvSpPr>
+        <p:spPr>
+          <a:xfrm>
+            <a:off x="394177" y="703073"/>
+            <a:ext cx="8962954" cy="400110"/>
+          </a:xfrm>
+          <a:prstGeom prst="rect">
+            <a:avLst/>
+          </a:prstGeom>
+        </p:spPr>
+        <p:txBody>
+          <a:bodyPr wrap="square">
+            <a:spAutoFit/>
+          </a:bodyPr>
+          <a:lstStyle/>
+          <a:p>
+            <a:r xmlns:a="http://schemas.openxmlformats.org/drawingml/2006/main">
+              <a:rPr lang="en" sz="2000" b="1" dirty="0"/>
+              <a:t>the Transform tab </a:t>
+            </a:r>
+            <a:r xmlns:a="http://schemas.openxmlformats.org/drawingml/2006/main">
+              <a:rPr lang="en" sz="2000" dirty="0"/>
+              <a:t>again </a:t>
+            </a:r>
+            <a:r xmlns:a="http://schemas.openxmlformats.org/drawingml/2006/main">
+              <a:rPr lang="en" sz="2000" dirty="0"/>
+              <a:t>and click </a:t>
+            </a:r>
+            <a:r xmlns:a="http://schemas.openxmlformats.org/drawingml/2006/main">
+              <a:rPr lang="en" sz="2000" b="1" dirty="0"/>
+              <a:t>Transpose </a:t>
+            </a:r>
+            <a:r xmlns:a="http://schemas.openxmlformats.org/drawingml/2006/main">
+              <a:rPr lang="en" sz="2000" dirty="0"/>
+              <a:t>.</a:t>
+            </a:r>
+            <a:endParaRPr xmlns:a="http://schemas.openxmlformats.org/drawingml/2006/main" lang="en-US" sz="2000" dirty="0"/>
+          </a:p>
+        </p:txBody>
+      </p:sp>
+      <p:sp>
+        <p:nvSpPr>
+          <p:cNvPr id="9" name="Rectangle 8"/>
+          <p:cNvSpPr/>
+          <p:nvPr/>
+        </p:nvSpPr>
+        <p:spPr>
+          <a:xfrm>
+            <a:off x="394177" y="6207687"/>
+            <a:ext cx="9570262" cy="400110"/>
+          </a:xfrm>
+          <a:prstGeom prst="rect">
+            <a:avLst/>
+          </a:prstGeom>
+        </p:spPr>
+        <p:txBody>
+          <a:bodyPr wrap="square">
+            <a:spAutoFit/>
+          </a:bodyPr>
+          <a:lstStyle/>
+          <a:p>
+            <a:r xmlns:a="http://schemas.openxmlformats.org/drawingml/2006/main">
+              <a:rPr lang="en" sz="2000" b="1" dirty="0"/>
+              <a:t>Column1 </a:t>
+            </a:r>
+            <a:r xmlns:a="http://schemas.openxmlformats.org/drawingml/2006/main">
+              <a:rPr lang="en" sz="2000" dirty="0"/>
+              <a:t>column </a:t>
+            </a:r>
+            <a:r xmlns:a="http://schemas.openxmlformats.org/drawingml/2006/main">
+              <a:rPr lang="en" sz="2000" dirty="0"/>
+              <a:t>, the values are </a:t>
+            </a:r>
+            <a:r xmlns:a="http://schemas.openxmlformats.org/drawingml/2006/main">
+              <a:rPr lang="en" sz="2000" b="1" dirty="0" err="1"/>
+              <a:t>Town </a:t>
+            </a:r>
+            <a:r xmlns:a="http://schemas.openxmlformats.org/drawingml/2006/main">
+              <a:rPr lang="en" sz="2000" dirty="0"/>
+              <a:t>, </a:t>
+            </a:r>
+            <a:r xmlns:a="http://schemas.openxmlformats.org/drawingml/2006/main">
+              <a:rPr lang="en" sz="2000" b="1" dirty="0"/>
+              <a:t>Latitude </a:t>
+            </a:r>
+            <a:r xmlns:a="http://schemas.openxmlformats.org/drawingml/2006/main">
+              <a:rPr lang="en" sz="2000" dirty="0"/>
+              <a:t>, </a:t>
+            </a:r>
+            <a:r xmlns:a="http://schemas.openxmlformats.org/drawingml/2006/main">
+              <a:rPr lang="en" sz="2000" b="1" dirty="0"/>
+              <a:t>Longitude </a:t>
+            </a:r>
+            <a:r xmlns:a="http://schemas.openxmlformats.org/drawingml/2006/main">
+              <a:rPr lang="en" sz="2000" dirty="0"/>
+              <a:t>.</a:t>
+            </a:r>
+            <a:endParaRPr xmlns:a="http://schemas.openxmlformats.org/drawingml/2006/main" lang="en-US" sz="2000" dirty="0"/>
           </a:p>
         </p:txBody>
       </p:sp>
@@ -4556,62 +4516,16 @@
           </a:bodyPr>
           <a:lstStyle/>
           <a:p>
-            <a:r>
-              <a:rPr lang="fr-FR" sz="2400" dirty="0" smtClean="0">
+            <a:r xmlns:a="http://schemas.openxmlformats.org/drawingml/2006/main">
+              <a:rPr lang="en" sz="2400" dirty="0" smtClean="0">
                 <a:latin typeface="Segoe UI" panose="020B0502040204020203" pitchFamily="34" charset="0"/>
                 <a:cs typeface="Segoe UI" panose="020B0502040204020203" pitchFamily="34" charset="0"/>
               </a:rPr>
               <a:t>Transposition</a:t>
             </a:r>
-            <a:endParaRPr lang="en-US" sz="2400" dirty="0">
+            <a:endParaRPr xmlns:a="http://schemas.openxmlformats.org/drawingml/2006/main" lang="en-US" sz="2400" dirty="0">
               <a:latin typeface="Segoe UI" panose="020B0502040204020203" pitchFamily="34" charset="0"/>
               <a:cs typeface="Segoe UI" panose="020B0502040204020203" pitchFamily="34" charset="0"/>
-            </a:endParaRPr>
-          </a:p>
-        </p:txBody>
-      </p:sp>
-      <p:sp>
-        <p:nvSpPr>
-          <p:cNvPr id="10" name="Rectangle 9"/>
-          <p:cNvSpPr/>
-          <p:nvPr/>
-        </p:nvSpPr>
-        <p:spPr>
-          <a:xfrm>
-            <a:off x="302509" y="764173"/>
-            <a:ext cx="3358805" cy="388696"/>
-          </a:xfrm>
-          <a:prstGeom prst="rect">
-            <a:avLst/>
-          </a:prstGeom>
-        </p:spPr>
-        <p:txBody>
-          <a:bodyPr wrap="none">
-            <a:spAutoFit/>
-          </a:bodyPr>
-          <a:lstStyle/>
-          <a:p>
-            <a:pPr lvl="0">
-              <a:lnSpc>
-                <a:spcPct val="107000"/>
-              </a:lnSpc>
-              <a:spcAft>
-                <a:spcPts val="800"/>
-              </a:spcAft>
-            </a:pPr>
-            <a:r>
-              <a:rPr lang="en-US" dirty="0" smtClean="0">
-                <a:latin typeface="Segoe UI" panose="020B0502040204020203" pitchFamily="34" charset="0"/>
-                <a:ea typeface="Calibri" panose="020F0502020204030204" pitchFamily="34" charset="0"/>
-                <a:cs typeface="Times New Roman" panose="02020603050405020304" pitchFamily="18" charset="0"/>
-              </a:rPr>
-              <a:t>Set first row as column headers</a:t>
-            </a:r>
-            <a:endParaRPr lang="en-US" sz="1400" dirty="0">
-              <a:effectLst/>
-              <a:latin typeface="Calibri" panose="020F0502020204030204" pitchFamily="34" charset="0"/>
-              <a:ea typeface="Calibri" panose="020F0502020204030204" pitchFamily="34" charset="0"/>
-              <a:cs typeface="Times New Roman" panose="02020603050405020304" pitchFamily="18" charset="0"/>
             </a:endParaRPr>
           </a:p>
         </p:txBody>
@@ -4736,6 +4650,35 @@
           </a:p>
         </p:txBody>
       </p:sp>
+      <p:sp>
+        <p:nvSpPr>
+          <p:cNvPr id="3" name="Rectangle 2"/>
+          <p:cNvSpPr/>
+          <p:nvPr/>
+        </p:nvSpPr>
+        <p:spPr>
+          <a:xfrm>
+            <a:off x="374169" y="810564"/>
+            <a:ext cx="6289029" cy="400110"/>
+          </a:xfrm>
+          <a:prstGeom prst="rect">
+            <a:avLst/>
+          </a:prstGeom>
+        </p:spPr>
+        <p:txBody>
+          <a:bodyPr wrap="none">
+            <a:spAutoFit/>
+          </a:bodyPr>
+          <a:lstStyle/>
+          <a:p>
+            <a:r xmlns:a="http://schemas.openxmlformats.org/drawingml/2006/main">
+              <a:rPr lang="en" sz="2000" dirty="0"/>
+              <a:t>Set the first row as column headers.</a:t>
+            </a:r>
+            <a:endParaRPr xmlns:a="http://schemas.openxmlformats.org/drawingml/2006/main" lang="en-US" sz="2000" dirty="0"/>
+          </a:p>
+        </p:txBody>
+      </p:sp>
     </p:spTree>
     <p:extLst>
       <p:ext uri="{BB962C8B-B14F-4D97-AF65-F5344CB8AC3E}">
@@ -4752,14 +4695,6 @@
 <file path=ppt/slides/slide6.xml><?xml version="1.0" encoding="utf-8"?>
 <p:sld xmlns:a="http://schemas.openxmlformats.org/drawingml/2006/main" xmlns:r="http://schemas.openxmlformats.org/officeDocument/2006/relationships" xmlns:p="http://schemas.openxmlformats.org/presentationml/2006/main">
   <p:cSld>
-    <p:bg>
-      <p:bgPr>
-        <a:solidFill>
-          <a:srgbClr val="FFC000"/>
-        </a:solidFill>
-        <a:effectLst/>
-      </p:bgPr>
-    </p:bg>
     <p:spTree>
       <p:nvGrpSpPr>
         <p:cNvPr id="1" name=""/>
@@ -4776,53 +4711,999 @@
       </p:grpSpPr>
       <p:sp>
         <p:nvSpPr>
-          <p:cNvPr id="2" name="AutoShape 2" descr="Minimalistic illustration in black and white on a white background with the text 'Thank You' elegantly styled below. The design features simple, clean icons such as a handshake or a ribbon to symbolize gratitude, with a professional and modern aesthetic suitable for a presentation closing slide."/>
-          <p:cNvSpPr>
-            <a:spLocks noChangeAspect="1" noChangeArrowheads="1"/>
-          </p:cNvSpPr>
+          <p:cNvPr id="2" name="TextBox 1"/>
+          <p:cNvSpPr txBox="1"/>
           <p:nvPr/>
         </p:nvSpPr>
-        <p:spPr bwMode="auto">
-          <a:xfrm>
-            <a:off x="155575" y="-144463"/>
-            <a:ext cx="304800" cy="304801"/>
+        <p:spPr>
+          <a:xfrm>
+            <a:off x="302509" y="302508"/>
+            <a:ext cx="1991764" cy="461665"/>
           </a:xfrm>
           <a:prstGeom prst="rect">
             <a:avLst/>
           </a:prstGeom>
           <a:noFill/>
+        </p:spPr>
+        <p:txBody>
+          <a:bodyPr wrap="none" rtlCol="0">
+            <a:spAutoFit/>
+          </a:bodyPr>
+          <a:lstStyle/>
+          <a:p>
+            <a:r xmlns:a="http://schemas.openxmlformats.org/drawingml/2006/main">
+              <a:rPr lang="en" sz="2400" dirty="0" smtClean="0">
+                <a:latin typeface="Segoe UI" panose="020B0502040204020203" pitchFamily="34" charset="0"/>
+                <a:cs typeface="Segoe UI" panose="020B0502040204020203" pitchFamily="34" charset="0"/>
+              </a:rPr>
+              <a:t>Transposition</a:t>
+            </a:r>
+            <a:endParaRPr xmlns:a="http://schemas.openxmlformats.org/drawingml/2006/main" lang="en-US" sz="2400" dirty="0">
+              <a:latin typeface="Segoe UI" panose="020B0502040204020203" pitchFamily="34" charset="0"/>
+              <a:cs typeface="Segoe UI" panose="020B0502040204020203" pitchFamily="34" charset="0"/>
+            </a:endParaRPr>
+          </a:p>
+        </p:txBody>
+      </p:sp>
+      <p:sp>
+        <p:nvSpPr>
+          <p:cNvPr id="3" name="Rectangle 2"/>
+          <p:cNvSpPr/>
+          <p:nvPr/>
+        </p:nvSpPr>
+        <p:spPr>
+          <a:xfrm>
+            <a:off x="374169" y="810564"/>
+            <a:ext cx="3446969" cy="400110"/>
+          </a:xfrm>
+          <a:prstGeom prst="rect">
+            <a:avLst/>
+          </a:prstGeom>
+        </p:spPr>
+        <p:txBody>
+          <a:bodyPr wrap="none">
+            <a:spAutoFit/>
+          </a:bodyPr>
+          <a:lstStyle/>
+          <a:p>
+            <a:r xmlns:a="http://schemas.openxmlformats.org/drawingml/2006/main">
+              <a:rPr lang="en" sz="2000" dirty="0" smtClean="0"/>
+              <a:t>Delete unnecessary columns</a:t>
+            </a:r>
+            <a:endParaRPr xmlns:a="http://schemas.openxmlformats.org/drawingml/2006/main" lang="en-US" sz="2000" dirty="0"/>
+          </a:p>
+        </p:txBody>
+      </p:sp>
+      <p:pic>
+        <p:nvPicPr>
+          <p:cNvPr id="5" name="Picture 4"/>
+          <p:cNvPicPr>
+            <a:picLocks noChangeAspect="1"/>
+          </p:cNvPicPr>
+          <p:nvPr/>
+        </p:nvPicPr>
+        <p:blipFill>
+          <a:blip r:embed="rId2"/>
+          <a:stretch>
+            <a:fillRect/>
+          </a:stretch>
+        </p:blipFill>
+        <p:spPr>
+          <a:xfrm>
+            <a:off x="550542" y="1379088"/>
+            <a:ext cx="8354591" cy="4553585"/>
+          </a:xfrm>
+          <a:prstGeom prst="rect">
+            <a:avLst/>
+          </a:prstGeom>
+        </p:spPr>
+      </p:pic>
+      <p:sp>
+        <p:nvSpPr>
+          <p:cNvPr id="8" name="Rectangle 7"/>
+          <p:cNvSpPr/>
+          <p:nvPr/>
+        </p:nvSpPr>
+        <p:spPr>
+          <a:xfrm>
+            <a:off x="1643167" y="1430038"/>
+            <a:ext cx="7261966" cy="240195"/>
+          </a:xfrm>
+          <a:prstGeom prst="rect">
+            <a:avLst/>
+          </a:prstGeom>
+          <a:solidFill>
+            <a:srgbClr val="FF0000">
+              <a:alpha val="26000"/>
+            </a:srgbClr>
+          </a:solidFill>
+          <a:ln>
+            <a:noFill/>
+          </a:ln>
+        </p:spPr>
+        <p:style>
+          <a:lnRef idx="2">
+            <a:schemeClr val="accent1">
+              <a:shade val="50000"/>
+            </a:schemeClr>
+          </a:lnRef>
+          <a:fillRef idx="1">
+            <a:schemeClr val="accent1"/>
+          </a:fillRef>
+          <a:effectRef idx="0">
+            <a:schemeClr val="accent1"/>
+          </a:effectRef>
+          <a:fontRef idx="minor">
+            <a:schemeClr val="lt1"/>
+          </a:fontRef>
+        </p:style>
+        <p:txBody>
+          <a:bodyPr rtlCol="0" anchor="ctr"/>
+          <a:lstStyle/>
+          <a:p>
+            <a:pPr algn="ctr"/>
+            <a:endParaRPr lang="en-US"/>
+          </a:p>
+        </p:txBody>
+      </p:sp>
+    </p:spTree>
+    <p:extLst>
+      <p:ext uri="{BB962C8B-B14F-4D97-AF65-F5344CB8AC3E}">
+        <p14:creationId xmlns:p14="http://schemas.microsoft.com/office/powerpoint/2010/main" val="4037605017"/>
+      </p:ext>
+    </p:extLst>
+  </p:cSld>
+  <p:clrMapOvr>
+    <a:masterClrMapping/>
+  </p:clrMapOvr>
+</p:sld>
+</file>
+
+<file path=ppt/slides/slide7.xml><?xml version="1.0" encoding="utf-8"?>
+<p:sld xmlns:a="http://schemas.openxmlformats.org/drawingml/2006/main" xmlns:r="http://schemas.openxmlformats.org/officeDocument/2006/relationships" xmlns:p="http://schemas.openxmlformats.org/presentationml/2006/main">
+  <p:cSld>
+    <p:spTree>
+      <p:nvGrpSpPr>
+        <p:cNvPr id="1" name=""/>
+        <p:cNvGrpSpPr/>
+        <p:nvPr/>
+      </p:nvGrpSpPr>
+      <p:grpSpPr>
+        <a:xfrm>
+          <a:off x="0" y="0"/>
+          <a:ext cx="0" cy="0"/>
+          <a:chOff x="0" y="0"/>
+          <a:chExt cx="0" cy="0"/>
+        </a:xfrm>
+      </p:grpSpPr>
+      <p:sp>
+        <p:nvSpPr>
+          <p:cNvPr id="2" name="TextBox 1"/>
+          <p:cNvSpPr txBox="1"/>
+          <p:nvPr/>
+        </p:nvSpPr>
+        <p:spPr>
+          <a:xfrm>
+            <a:off x="302509" y="302508"/>
+            <a:ext cx="1991764" cy="461665"/>
+          </a:xfrm>
+          <a:prstGeom prst="rect">
+            <a:avLst/>
+          </a:prstGeom>
+          <a:noFill/>
+        </p:spPr>
+        <p:txBody>
+          <a:bodyPr wrap="none" rtlCol="0">
+            <a:spAutoFit/>
+          </a:bodyPr>
+          <a:lstStyle/>
+          <a:p>
+            <a:r xmlns:a="http://schemas.openxmlformats.org/drawingml/2006/main">
+              <a:rPr lang="en" sz="2400" dirty="0" smtClean="0">
+                <a:latin typeface="Segoe UI" panose="020B0502040204020203" pitchFamily="34" charset="0"/>
+                <a:cs typeface="Segoe UI" panose="020B0502040204020203" pitchFamily="34" charset="0"/>
+              </a:rPr>
+              <a:t>Transposition</a:t>
+            </a:r>
+            <a:endParaRPr xmlns:a="http://schemas.openxmlformats.org/drawingml/2006/main" lang="en-US" sz="2400" dirty="0">
+              <a:latin typeface="Segoe UI" panose="020B0502040204020203" pitchFamily="34" charset="0"/>
+              <a:cs typeface="Segoe UI" panose="020B0502040204020203" pitchFamily="34" charset="0"/>
+            </a:endParaRPr>
+          </a:p>
+        </p:txBody>
+      </p:sp>
+      <p:sp>
+        <p:nvSpPr>
+          <p:cNvPr id="3" name="Rectangle 2"/>
+          <p:cNvSpPr/>
+          <p:nvPr/>
+        </p:nvSpPr>
+        <p:spPr>
+          <a:xfrm>
+            <a:off x="374169" y="810564"/>
+            <a:ext cx="8919558" cy="400110"/>
+          </a:xfrm>
+          <a:prstGeom prst="rect">
+            <a:avLst/>
+          </a:prstGeom>
+        </p:spPr>
+        <p:txBody>
+          <a:bodyPr wrap="none">
+            <a:spAutoFit/>
+          </a:bodyPr>
+          <a:lstStyle/>
+          <a:p>
+            <a:r xmlns:a="http://schemas.openxmlformats.org/drawingml/2006/main">
+              <a:rPr lang="en" sz="2000" dirty="0" smtClean="0"/>
+              <a:t>Replace the decimal separator "." with "," to prepare for the correct cast</a:t>
+            </a:r>
+            <a:endParaRPr xmlns:a="http://schemas.openxmlformats.org/drawingml/2006/main" lang="en-US" sz="2000" dirty="0"/>
+          </a:p>
+        </p:txBody>
+      </p:sp>
+      <p:sp>
+        <p:nvSpPr>
+          <p:cNvPr id="4" name="Rectangle 1"/>
+          <p:cNvSpPr>
+            <a:spLocks noChangeArrowheads="1"/>
+          </p:cNvSpPr>
+          <p:nvPr/>
+        </p:nvSpPr>
+        <p:spPr bwMode="auto">
+          <a:xfrm>
+            <a:off x="449796" y="1402439"/>
+            <a:ext cx="5865708" cy="1477328"/>
+          </a:xfrm>
+          <a:prstGeom prst="rect">
+            <a:avLst/>
+          </a:prstGeom>
+          <a:noFill/>
+          <a:ln>
+            <a:noFill/>
+          </a:ln>
+          <a:effectLst/>
           <a:extLst>
             <a:ext uri="{909E8E84-426E-40DD-AFC4-6F175D3DCCD1}">
               <a14:hiddenFill xmlns:a14="http://schemas.microsoft.com/office/drawing/2010/main">
                 <a:solidFill>
-                  <a:srgbClr val="FFFFFF"/>
+                  <a:schemeClr val="accent1"/>
                 </a:solidFill>
               </a14:hiddenFill>
             </a:ext>
+            <a:ext uri="{91240B29-F687-4F45-9708-019B960494DF}">
+              <a14:hiddenLine xmlns:a14="http://schemas.microsoft.com/office/drawing/2010/main" w="9525">
+                <a:solidFill>
+                  <a:schemeClr val="tx1"/>
+                </a:solidFill>
+                <a:miter lim="800000"/>
+                <a:headEnd/>
+                <a:tailEnd/>
+              </a14:hiddenLine>
+            </a:ext>
+            <a:ext uri="{AF507438-7753-43E0-B8FC-AC1667EBCBE1}">
+              <a14:hiddenEffects xmlns:a14="http://schemas.microsoft.com/office/drawing/2010/main">
+                <a:effectLst>
+                  <a:outerShdw dist="35921" dir="2700000" algn="ctr" rotWithShape="0">
+                    <a:schemeClr val="bg2"/>
+                  </a:outerShdw>
+                </a:effectLst>
+              </a14:hiddenEffects>
+            </a:ext>
           </a:extLst>
         </p:spPr>
         <p:txBody>
-          <a:bodyPr vert="horz" wrap="square" lIns="91440" tIns="45720" rIns="91440" bIns="45720" numCol="1" anchor="t" anchorCtr="0" compatLnSpc="1">
+          <a:bodyPr vert="horz" wrap="none" lIns="91440" tIns="45720" rIns="91440" bIns="45720" numCol="1" anchor="ctr" anchorCtr="0" compatLnSpc="1">
             <a:prstTxWarp prst="textNoShape">
               <a:avLst/>
             </a:prstTxWarp>
+            <a:spAutoFit/>
           </a:bodyPr>
           <a:lstStyle/>
           <a:p>
-            <a:endParaRPr lang="en-US"/>
-          </a:p>
-        </p:txBody>
-      </p:sp>
-      <p:sp>
-        <p:nvSpPr>
-          <p:cNvPr id="5" name="TextBox 4"/>
+            <a:pPr xmlns:a="http://schemas.openxmlformats.org/drawingml/2006/main" marL="0" marR="0" lvl="0" indent="0" algn="l" defTabSz="914400" rtl="0" eaLnBrk="0" fontAlgn="base" latinLnBrk="0" hangingPunct="0">
+              <a:lnSpc>
+                <a:spcPct val="100000"/>
+              </a:lnSpc>
+              <a:spcBef>
+                <a:spcPct val="0"/>
+              </a:spcBef>
+              <a:spcAft>
+                <a:spcPct val="0"/>
+              </a:spcAft>
+              <a:buClrTx/>
+              <a:buSzTx/>
+              <a:buFontTx/>
+              <a:buAutoNum type="arabicPeriod"/>
+              <a:tabLst/>
+            </a:pPr>
+            <a:r xmlns:a="http://schemas.openxmlformats.org/drawingml/2006/main">
+              <a:rPr kumimoji="0" lang="en" altLang="en-US" b="0" i="0" u="none" strike="noStrike" cap="none" normalizeH="0" baseline="0" dirty="0" err="1" smtClean="0">
+                <a:ln>
+                  <a:noFill/>
+                </a:ln>
+                <a:solidFill>
+                  <a:schemeClr val="tx1"/>
+                </a:solidFill>
+                <a:effectLst/>
+                <a:latin typeface="Arial" panose="020B0604020202020204" pitchFamily="34" charset="0"/>
+              </a:rPr>
+              <a:t>Select </a:t>
+            </a:r>
+            <a:r xmlns:a="http://schemas.openxmlformats.org/drawingml/2006/main">
+              <a:rPr kumimoji="0" lang="en" altLang="en-US" b="0" i="0" u="none" strike="noStrike" cap="none" normalizeH="0" baseline="0" dirty="0" smtClean="0">
+                <a:ln>
+                  <a:noFill/>
+                </a:ln>
+                <a:solidFill>
+                  <a:schemeClr val="tx1"/>
+                </a:solidFill>
+                <a:effectLst/>
+                <a:latin typeface="Arial" panose="020B0604020202020204" pitchFamily="34" charset="0"/>
+              </a:rPr>
+              <a:t>the </a:t>
+            </a:r>
+            <a:r xmlns:a="http://schemas.openxmlformats.org/drawingml/2006/main">
+              <a:rPr kumimoji="0" lang="en" altLang="en-US" b="0" i="0" u="none" strike="noStrike" cap="none" normalizeH="0" baseline="0" dirty="0" err="1" smtClean="0">
+                <a:ln>
+                  <a:noFill/>
+                </a:ln>
+                <a:solidFill>
+                  <a:schemeClr val="tx1"/>
+                </a:solidFill>
+                <a:effectLst/>
+                <a:latin typeface="Arial" panose="020B0604020202020204" pitchFamily="34" charset="0"/>
+              </a:rPr>
+              <a:t>column</a:t>
+            </a:r>
+            <a:r xmlns:a="http://schemas.openxmlformats.org/drawingml/2006/main">
+              <a:rPr kumimoji="0" lang="en" altLang="en-US" b="0" i="0" u="none" strike="noStrike" cap="none" normalizeH="0" baseline="0" dirty="0" smtClean="0">
+                <a:ln>
+                  <a:noFill/>
+                </a:ln>
+                <a:solidFill>
+                  <a:schemeClr val="tx1"/>
+                </a:solidFill>
+                <a:effectLst/>
+                <a:latin typeface="Arial" panose="020B0604020202020204" pitchFamily="34" charset="0"/>
+              </a:rPr>
+              <a:t> </a:t>
+            </a:r>
+            <a:r xmlns:a="http://schemas.openxmlformats.org/drawingml/2006/main">
+              <a:rPr kumimoji="0" lang="en" altLang="en-US" b="1" i="0" u="none" strike="noStrike" cap="none" normalizeH="0" baseline="0" dirty="0" smtClean="0">
+                <a:ln>
+                  <a:noFill/>
+                </a:ln>
+                <a:solidFill>
+                  <a:schemeClr val="tx1"/>
+                </a:solidFill>
+                <a:effectLst/>
+                <a:latin typeface="Arial" panose="020B0604020202020204" pitchFamily="34" charset="0"/>
+              </a:rPr>
+              <a:t>Longitude </a:t>
+            </a:r>
+            <a:r xmlns:a="http://schemas.openxmlformats.org/drawingml/2006/main">
+              <a:rPr kumimoji="0" lang="en" altLang="en-US" b="0" i="0" u="none" strike="noStrike" cap="none" normalizeH="0" baseline="0" dirty="0" smtClean="0">
+                <a:ln>
+                  <a:noFill/>
+                </a:ln>
+                <a:solidFill>
+                  <a:schemeClr val="tx1"/>
+                </a:solidFill>
+                <a:effectLst/>
+                <a:latin typeface="Arial" panose="020B0604020202020204" pitchFamily="34" charset="0"/>
+              </a:rPr>
+              <a:t>.</a:t>
+            </a:r>
+          </a:p>
+          <a:p>
+            <a:pPr xmlns:a="http://schemas.openxmlformats.org/drawingml/2006/main" marL="0" marR="0" lvl="0" indent="0" algn="l" defTabSz="914400" rtl="0" eaLnBrk="0" fontAlgn="base" latinLnBrk="0" hangingPunct="0">
+              <a:lnSpc>
+                <a:spcPct val="100000"/>
+              </a:lnSpc>
+              <a:spcBef>
+                <a:spcPct val="0"/>
+              </a:spcBef>
+              <a:spcAft>
+                <a:spcPct val="0"/>
+              </a:spcAft>
+              <a:buClrTx/>
+              <a:buSzTx/>
+              <a:buFontTx/>
+              <a:buAutoNum type="arabicPeriod" startAt="2"/>
+              <a:tabLst/>
+            </a:pPr>
+            <a:r xmlns:a="http://schemas.openxmlformats.org/drawingml/2006/main">
+              <a:rPr lang="en" altLang="en-US" dirty="0" err="1" smtClean="0">
+                <a:latin typeface="Arial" panose="020B0604020202020204" pitchFamily="34" charset="0"/>
+              </a:rPr>
+              <a:t>Come on</a:t>
+            </a:r>
+            <a:r xmlns:a="http://schemas.openxmlformats.org/drawingml/2006/main">
+              <a:rPr kumimoji="0" lang="en" altLang="en-US" b="0" i="0" u="none" strike="noStrike" cap="none" normalizeH="0" baseline="0" dirty="0" smtClean="0">
+                <a:ln>
+                  <a:noFill/>
+                </a:ln>
+                <a:solidFill>
+                  <a:schemeClr val="tx1"/>
+                </a:solidFill>
+                <a:effectLst/>
+                <a:latin typeface="Arial" panose="020B0604020202020204" pitchFamily="34" charset="0"/>
+              </a:rPr>
+              <a:t> </a:t>
+            </a:r>
+            <a:r xmlns:a="http://schemas.openxmlformats.org/drawingml/2006/main">
+              <a:rPr kumimoji="0" lang="en" altLang="en-US" b="0" i="0" u="none" strike="noStrike" cap="none" normalizeH="0" baseline="0" dirty="0" err="1" smtClean="0">
+                <a:ln>
+                  <a:noFill/>
+                </a:ln>
+                <a:solidFill>
+                  <a:schemeClr val="tx1"/>
+                </a:solidFill>
+                <a:effectLst/>
+                <a:latin typeface="Arial" panose="020B0604020202020204" pitchFamily="34" charset="0"/>
+              </a:rPr>
+              <a:t>In</a:t>
+            </a:r>
+            <a:r xmlns:a="http://schemas.openxmlformats.org/drawingml/2006/main">
+              <a:rPr kumimoji="0" lang="en" altLang="en-US" b="0" i="0" u="none" strike="noStrike" cap="none" normalizeH="0" baseline="0" dirty="0" smtClean="0">
+                <a:ln>
+                  <a:noFill/>
+                </a:ln>
+                <a:solidFill>
+                  <a:schemeClr val="tx1"/>
+                </a:solidFill>
+                <a:effectLst/>
+                <a:latin typeface="Arial" panose="020B0604020202020204" pitchFamily="34" charset="0"/>
+              </a:rPr>
+              <a:t> </a:t>
+            </a:r>
+            <a:r xmlns:a="http://schemas.openxmlformats.org/drawingml/2006/main">
+              <a:rPr kumimoji="0" lang="en" altLang="en-US" b="1" i="0" u="none" strike="noStrike" cap="none" normalizeH="0" baseline="0" dirty="0" smtClean="0">
+                <a:ln>
+                  <a:noFill/>
+                </a:ln>
+                <a:solidFill>
+                  <a:schemeClr val="tx1"/>
+                </a:solidFill>
+                <a:effectLst/>
+                <a:latin typeface="Arial" panose="020B0604020202020204" pitchFamily="34" charset="0"/>
+              </a:rPr>
+              <a:t>Transform </a:t>
+            </a:r>
+            <a:r xmlns:a="http://schemas.openxmlformats.org/drawingml/2006/main">
+              <a:rPr kumimoji="0" lang="en" altLang="en-US" b="0" i="0" u="none" strike="noStrike" cap="none" normalizeH="0" baseline="0" dirty="0" smtClean="0">
+                <a:ln>
+                  <a:noFill/>
+                </a:ln>
+                <a:solidFill>
+                  <a:schemeClr val="tx1"/>
+                </a:solidFill>
+                <a:effectLst/>
+                <a:latin typeface="Arial" panose="020B0604020202020204" pitchFamily="34" charset="0"/>
+              </a:rPr>
+              <a:t>→ </a:t>
+            </a:r>
+            <a:r xmlns:a="http://schemas.openxmlformats.org/drawingml/2006/main">
+              <a:rPr kumimoji="0" lang="en" altLang="en-US" b="1" i="0" u="none" strike="noStrike" cap="none" normalizeH="0" baseline="0" dirty="0" err="1" smtClean="0">
+                <a:ln>
+                  <a:noFill/>
+                </a:ln>
+                <a:solidFill>
+                  <a:schemeClr val="tx1"/>
+                </a:solidFill>
+                <a:effectLst/>
+                <a:latin typeface="Arial" panose="020B0604020202020204" pitchFamily="34" charset="0"/>
+              </a:rPr>
+              <a:t>Replace </a:t>
+            </a:r>
+            <a:r xmlns:a="http://schemas.openxmlformats.org/drawingml/2006/main">
+              <a:rPr kumimoji="0" lang="en" altLang="en-US" b="1" i="0" u="none" strike="noStrike" cap="none" normalizeH="0" baseline="0" dirty="0" smtClean="0">
+                <a:ln>
+                  <a:noFill/>
+                </a:ln>
+                <a:solidFill>
+                  <a:schemeClr val="tx1"/>
+                </a:solidFill>
+                <a:effectLst/>
+                <a:latin typeface="Arial" panose="020B0604020202020204" pitchFamily="34" charset="0"/>
+              </a:rPr>
+              <a:t>Values </a:t>
+            </a:r>
+            <a:r xmlns:a="http://schemas.openxmlformats.org/drawingml/2006/main">
+              <a:rPr kumimoji="0" lang="en" altLang="en-US" b="0" i="0" u="none" strike="noStrike" cap="none" normalizeH="0" baseline="0" dirty="0" smtClean="0">
+                <a:ln>
+                  <a:noFill/>
+                </a:ln>
+                <a:solidFill>
+                  <a:schemeClr val="tx1"/>
+                </a:solidFill>
+                <a:effectLst/>
+                <a:latin typeface="Arial" panose="020B0604020202020204" pitchFamily="34" charset="0"/>
+              </a:rPr>
+              <a:t>.</a:t>
+            </a:r>
+            <a:r xmlns:a="http://schemas.openxmlformats.org/drawingml/2006/main">
+              <a:rPr kumimoji="0" lang="en" altLang="en-US" b="1" i="0" u="none" strike="noStrike" cap="none" normalizeH="0" baseline="0" dirty="0" err="1" smtClean="0">
+                <a:ln>
+                  <a:noFill/>
+                </a:ln>
+                <a:solidFill>
+                  <a:schemeClr val="tx1"/>
+                </a:solidFill>
+                <a:effectLst/>
+                <a:latin typeface="Arial" panose="020B0604020202020204" pitchFamily="34" charset="0"/>
+              </a:rPr>
+              <a:t>​</a:t>
+            </a:r>
+          </a:p>
+          <a:p>
+            <a:pPr xmlns:a="http://schemas.openxmlformats.org/drawingml/2006/main" marL="0" marR="0" lvl="0" indent="0" algn="l" defTabSz="914400" rtl="0" eaLnBrk="0" fontAlgn="base" latinLnBrk="0" hangingPunct="0">
+              <a:lnSpc>
+                <a:spcPct val="100000"/>
+              </a:lnSpc>
+              <a:spcBef>
+                <a:spcPct val="0"/>
+              </a:spcBef>
+              <a:spcAft>
+                <a:spcPct val="0"/>
+              </a:spcAft>
+              <a:buClrTx/>
+              <a:buSzTx/>
+              <a:buFontTx/>
+              <a:buAutoNum type="arabicPeriod" startAt="3"/>
+              <a:tabLst/>
+            </a:pPr>
+            <a:r xmlns:a="http://schemas.openxmlformats.org/drawingml/2006/main">
+              <a:rPr kumimoji="0" lang="en" altLang="en-US" i="0" u="none" strike="noStrike" cap="none" normalizeH="0" baseline="0" dirty="0" err="1" smtClean="0">
+                <a:ln>
+                  <a:noFill/>
+                </a:ln>
+                <a:solidFill>
+                  <a:schemeClr val="tx1"/>
+                </a:solidFill>
+                <a:effectLst/>
+                <a:latin typeface="Arial" panose="020B0604020202020204" pitchFamily="34" charset="0"/>
+              </a:rPr>
+              <a:t>Replace</a:t>
+            </a:r>
+            <a:r xmlns:a="http://schemas.openxmlformats.org/drawingml/2006/main">
+              <a:rPr kumimoji="0" lang="en" altLang="en-US" b="0" i="0" u="none" strike="noStrike" cap="none" normalizeH="0" baseline="0" dirty="0" smtClean="0">
+                <a:ln>
+                  <a:noFill/>
+                </a:ln>
+                <a:solidFill>
+                  <a:schemeClr val="tx1"/>
+                </a:solidFill>
+                <a:effectLst/>
+                <a:latin typeface="Arial" panose="020B0604020202020204" pitchFamily="34" charset="0"/>
+              </a:rPr>
+              <a:t> </a:t>
+            </a:r>
+            <a:r xmlns:a="http://schemas.openxmlformats.org/drawingml/2006/main">
+              <a:rPr kumimoji="0" lang="en" altLang="en-US" b="0" i="0" u="none" strike="noStrike" cap="none" normalizeH="0" baseline="0" dirty="0" err="1" smtClean="0">
+                <a:ln>
+                  <a:noFill/>
+                </a:ln>
+                <a:solidFill>
+                  <a:schemeClr val="tx1"/>
+                </a:solidFill>
+                <a:effectLst/>
+                <a:latin typeface="Arial" panose="020B0604020202020204" pitchFamily="34" charset="0"/>
+              </a:rPr>
+              <a:t>all </a:t>
+            </a:r>
+            <a:r xmlns:a="http://schemas.openxmlformats.org/drawingml/2006/main">
+              <a:rPr kumimoji="0" lang="en" altLang="en-US" b="0" i="0" u="none" strike="noStrike" cap="none" normalizeH="0" baseline="0" dirty="0" smtClean="0">
+                <a:ln>
+                  <a:noFill/>
+                </a:ln>
+                <a:solidFill>
+                  <a:schemeClr val="tx1"/>
+                </a:solidFill>
+                <a:effectLst/>
+                <a:latin typeface="Arial" panose="020B0604020202020204" pitchFamily="34" charset="0"/>
+              </a:rPr>
+              <a:t>. </a:t>
+            </a:r>
+            <a:r xmlns:a="http://schemas.openxmlformats.org/drawingml/2006/main">
+              <a:rPr kumimoji="0" lang="en" altLang="en-US" b="0" i="0" u="none" strike="noStrike" cap="none" normalizeH="0" baseline="0" dirty="0" smtClean="0">
+                <a:ln>
+                  <a:noFill/>
+                </a:ln>
+                <a:solidFill>
+                  <a:schemeClr val="tx1"/>
+                </a:solidFill>
+                <a:effectLst/>
+              </a:rPr>
+              <a:t>by </a:t>
+            </a:r>
+            <a:r xmlns:a="http://schemas.openxmlformats.org/drawingml/2006/main">
+              <a:rPr kumimoji="0" lang="en" altLang="en-US" b="1" i="0" u="none" strike="noStrike" cap="none" normalizeH="0" baseline="0" dirty="0" smtClean="0">
+                <a:ln>
+                  <a:noFill/>
+                </a:ln>
+                <a:solidFill>
+                  <a:schemeClr val="tx1"/>
+                </a:solidFill>
+                <a:effectLst/>
+                <a:latin typeface="Arial Unicode MS"/>
+              </a:rPr>
+              <a:t>, </a:t>
+            </a:r>
+            <a:r xmlns:a="http://schemas.openxmlformats.org/drawingml/2006/main">
+              <a:rPr kumimoji="0" lang="en" altLang="en-US" b="0" i="0" u="none" strike="noStrike" cap="none" normalizeH="0" baseline="0" dirty="0" smtClean="0">
+                <a:ln>
+                  <a:noFill/>
+                </a:ln>
+                <a:solidFill>
+                  <a:schemeClr val="tx1"/>
+                </a:solidFill>
+                <a:effectLst/>
+              </a:rPr>
+              <a:t>.</a:t>
+            </a:r>
+            <a:endParaRPr xmlns:a="http://schemas.openxmlformats.org/drawingml/2006/main" kumimoji="0" lang="en-US" altLang="en-US" b="0" i="0" u="none" strike="noStrike" cap="none" normalizeH="0" baseline="0" dirty="0" smtClean="0">
+              <a:ln>
+                <a:noFill/>
+              </a:ln>
+              <a:solidFill>
+                <a:schemeClr val="tx1"/>
+              </a:solidFill>
+              <a:effectLst/>
+              <a:latin typeface="Arial" panose="020B0604020202020204" pitchFamily="34" charset="0"/>
+            </a:endParaRPr>
+            <a:r xmlns:a="http://schemas.openxmlformats.org/drawingml/2006/main">
+              <a:rPr kumimoji="0" lang="en" altLang="en-US" b="1" i="0" u="none" strike="noStrike" cap="none" normalizeH="0" baseline="0" dirty="0" smtClean="0">
+                <a:ln>
+                  <a:noFill/>
+                </a:ln>
+                <a:solidFill>
+                  <a:schemeClr val="tx1"/>
+                </a:solidFill>
+                <a:effectLst/>
+                <a:latin typeface="Arial Unicode MS"/>
+              </a:rPr>
+              <a:t>​</a:t>
+            </a:r>
+          </a:p>
+          <a:p>
+            <a:pPr xmlns:a="http://schemas.openxmlformats.org/drawingml/2006/main" marL="0" marR="0" lvl="0" indent="0" algn="l" defTabSz="914400" rtl="0" eaLnBrk="0" fontAlgn="base" latinLnBrk="0" hangingPunct="0">
+              <a:lnSpc>
+                <a:spcPct val="100000"/>
+              </a:lnSpc>
+              <a:spcBef>
+                <a:spcPct val="0"/>
+              </a:spcBef>
+              <a:spcAft>
+                <a:spcPct val="0"/>
+              </a:spcAft>
+              <a:buClrTx/>
+              <a:buSzTx/>
+              <a:buFontTx/>
+              <a:buAutoNum type="arabicPeriod" startAt="4"/>
+              <a:tabLst/>
+            </a:pPr>
+            <a:r xmlns:a="http://schemas.openxmlformats.org/drawingml/2006/main">
+              <a:rPr kumimoji="0" lang="en" altLang="en-US" b="0" i="0" u="none" strike="noStrike" cap="none" normalizeH="0" baseline="0" dirty="0" err="1" smtClean="0">
+                <a:ln>
+                  <a:noFill/>
+                </a:ln>
+                <a:solidFill>
+                  <a:schemeClr val="tx1"/>
+                </a:solidFill>
+                <a:effectLst/>
+                <a:latin typeface="Arial" panose="020B0604020202020204" pitchFamily="34" charset="0"/>
+              </a:rPr>
+              <a:t>Convert</a:t>
+            </a:r>
+            <a:r xmlns:a="http://schemas.openxmlformats.org/drawingml/2006/main">
+              <a:rPr kumimoji="0" lang="en" altLang="en-US" b="0" i="0" u="none" strike="noStrike" cap="none" normalizeH="0" baseline="0" dirty="0" smtClean="0">
+                <a:ln>
+                  <a:noFill/>
+                </a:ln>
+                <a:solidFill>
+                  <a:schemeClr val="tx1"/>
+                </a:solidFill>
+                <a:effectLst/>
+                <a:latin typeface="Arial" panose="020B0604020202020204" pitchFamily="34" charset="0"/>
+              </a:rPr>
+              <a:t> </a:t>
+            </a:r>
+            <a:r xmlns:a="http://schemas.openxmlformats.org/drawingml/2006/main">
+              <a:rPr kumimoji="0" lang="en" altLang="en-US" b="0" i="0" u="none" strike="noStrike" cap="none" normalizeH="0" baseline="0" dirty="0" err="1" smtClean="0">
+                <a:ln>
+                  <a:noFill/>
+                </a:ln>
+                <a:solidFill>
+                  <a:schemeClr val="tx1"/>
+                </a:solidFill>
+                <a:effectLst/>
+                <a:latin typeface="Arial" panose="020B0604020202020204" pitchFamily="34" charset="0"/>
+              </a:rPr>
+              <a:t>then </a:t>
+            </a:r>
+            <a:r xmlns:a="http://schemas.openxmlformats.org/drawingml/2006/main">
+              <a:rPr kumimoji="0" lang="en" altLang="en-US" b="0" i="0" u="none" strike="noStrike" cap="none" normalizeH="0" baseline="0" dirty="0" smtClean="0">
+                <a:ln>
+                  <a:noFill/>
+                </a:ln>
+                <a:solidFill>
+                  <a:schemeClr val="tx1"/>
+                </a:solidFill>
+                <a:effectLst/>
+                <a:latin typeface="Arial" panose="020B0604020202020204" pitchFamily="34" charset="0"/>
+              </a:rPr>
+              <a:t>the </a:t>
+            </a:r>
+            <a:r xmlns:a="http://schemas.openxmlformats.org/drawingml/2006/main">
+              <a:rPr kumimoji="0" lang="en" altLang="en-US" b="0" i="0" u="none" strike="noStrike" cap="none" normalizeH="0" baseline="0" dirty="0" err="1" smtClean="0">
+                <a:ln>
+                  <a:noFill/>
+                </a:ln>
+                <a:solidFill>
+                  <a:schemeClr val="tx1"/>
+                </a:solidFill>
+                <a:effectLst/>
+                <a:latin typeface="Arial" panose="020B0604020202020204" pitchFamily="34" charset="0"/>
+              </a:rPr>
+              <a:t>column</a:t>
+            </a:r>
+            <a:r xmlns:a="http://schemas.openxmlformats.org/drawingml/2006/main">
+              <a:rPr kumimoji="0" lang="en" altLang="en-US" b="0" i="0" u="none" strike="noStrike" cap="none" normalizeH="0" baseline="0" dirty="0" smtClean="0">
+                <a:ln>
+                  <a:noFill/>
+                </a:ln>
+                <a:solidFill>
+                  <a:schemeClr val="tx1"/>
+                </a:solidFill>
+                <a:effectLst/>
+                <a:latin typeface="Arial" panose="020B0604020202020204" pitchFamily="34" charset="0"/>
+              </a:rPr>
+              <a:t> </a:t>
+            </a:r>
+            <a:r xmlns:a="http://schemas.openxmlformats.org/drawingml/2006/main">
+              <a:rPr kumimoji="0" lang="en" altLang="en-US" b="0" i="0" u="none" strike="noStrike" cap="none" normalizeH="0" baseline="0" dirty="0" err="1" smtClean="0">
+                <a:ln>
+                  <a:noFill/>
+                </a:ln>
+                <a:solidFill>
+                  <a:schemeClr val="tx1"/>
+                </a:solidFill>
+                <a:effectLst/>
+                <a:latin typeface="Arial" panose="020B0604020202020204" pitchFamily="34" charset="0"/>
+              </a:rPr>
+              <a:t>in</a:t>
+            </a:r>
+            <a:r xmlns:a="http://schemas.openxmlformats.org/drawingml/2006/main">
+              <a:rPr kumimoji="0" lang="en" altLang="en-US" b="0" i="0" u="none" strike="noStrike" cap="none" normalizeH="0" baseline="0" dirty="0" smtClean="0">
+                <a:ln>
+                  <a:noFill/>
+                </a:ln>
+                <a:solidFill>
+                  <a:schemeClr val="tx1"/>
+                </a:solidFill>
+                <a:effectLst/>
+                <a:latin typeface="Arial" panose="020B0604020202020204" pitchFamily="34" charset="0"/>
+              </a:rPr>
+              <a:t> </a:t>
+            </a:r>
+            <a:r xmlns:a="http://schemas.openxmlformats.org/drawingml/2006/main">
+              <a:rPr kumimoji="0" lang="en" altLang="en-US" b="1" i="0" u="none" strike="noStrike" cap="none" normalizeH="0" baseline="0" dirty="0" smtClean="0">
+                <a:ln>
+                  <a:noFill/>
+                </a:ln>
+                <a:solidFill>
+                  <a:schemeClr val="tx1"/>
+                </a:solidFill>
+                <a:effectLst/>
+                <a:latin typeface="Arial" panose="020B0604020202020204" pitchFamily="34" charset="0"/>
+              </a:rPr>
+              <a:t>Decimal Number </a:t>
+            </a:r>
+            <a:r xmlns:a="http://schemas.openxmlformats.org/drawingml/2006/main">
+              <a:rPr kumimoji="0" lang="en" altLang="en-US" b="0" i="0" u="none" strike="noStrike" cap="none" normalizeH="0" baseline="0" dirty="0" smtClean="0">
+                <a:ln>
+                  <a:noFill/>
+                </a:ln>
+                <a:solidFill>
+                  <a:schemeClr val="tx1"/>
+                </a:solidFill>
+                <a:effectLst/>
+                <a:latin typeface="Arial" panose="020B0604020202020204" pitchFamily="34" charset="0"/>
+              </a:rPr>
+              <a:t>.</a:t>
+            </a:r>
+          </a:p>
+          <a:p>
+            <a:pPr marL="0" marR="0" lvl="0" indent="0" algn="l" defTabSz="914400" rtl="0" eaLnBrk="0" fontAlgn="base" latinLnBrk="0" hangingPunct="0">
+              <a:lnSpc>
+                <a:spcPct val="100000"/>
+              </a:lnSpc>
+              <a:spcBef>
+                <a:spcPct val="0"/>
+              </a:spcBef>
+              <a:spcAft>
+                <a:spcPct val="0"/>
+              </a:spcAft>
+              <a:buClrTx/>
+              <a:buSzTx/>
+              <a:buFontTx/>
+              <a:buNone/>
+              <a:tabLst/>
+            </a:pPr>
+            <a:endParaRPr kumimoji="0" lang="en-US" altLang="en-US" b="0" i="0" u="none" strike="noStrike" cap="none" normalizeH="0" baseline="0" dirty="0" smtClean="0">
+              <a:ln>
+                <a:noFill/>
+              </a:ln>
+              <a:solidFill>
+                <a:schemeClr val="tx1"/>
+              </a:solidFill>
+              <a:effectLst/>
+              <a:latin typeface="Arial" panose="020B0604020202020204" pitchFamily="34" charset="0"/>
+            </a:endParaRPr>
+          </a:p>
+        </p:txBody>
+      </p:sp>
+      <p:pic>
+        <p:nvPicPr>
+          <p:cNvPr id="6" name="Picture 5"/>
+          <p:cNvPicPr>
+            <a:picLocks noChangeAspect="1"/>
+          </p:cNvPicPr>
+          <p:nvPr/>
+        </p:nvPicPr>
+        <p:blipFill>
+          <a:blip r:embed="rId2"/>
+          <a:stretch>
+            <a:fillRect/>
+          </a:stretch>
+        </p:blipFill>
+        <p:spPr>
+          <a:xfrm>
+            <a:off x="679592" y="2769532"/>
+            <a:ext cx="6858957" cy="2886478"/>
+          </a:xfrm>
+          <a:prstGeom prst="rect">
+            <a:avLst/>
+          </a:prstGeom>
+        </p:spPr>
+      </p:pic>
+      <p:sp>
+        <p:nvSpPr>
+          <p:cNvPr id="9" name="Rectangle 8"/>
+          <p:cNvSpPr/>
+          <p:nvPr/>
+        </p:nvSpPr>
+        <p:spPr>
+          <a:xfrm>
+            <a:off x="3940174" y="3313841"/>
+            <a:ext cx="1023712" cy="226880"/>
+          </a:xfrm>
+          <a:prstGeom prst="rect">
+            <a:avLst/>
+          </a:prstGeom>
+          <a:solidFill>
+            <a:srgbClr val="FF0000">
+              <a:alpha val="26000"/>
+            </a:srgbClr>
+          </a:solidFill>
+          <a:ln>
+            <a:noFill/>
+          </a:ln>
+        </p:spPr>
+        <p:style>
+          <a:lnRef idx="2">
+            <a:schemeClr val="accent1">
+              <a:shade val="50000"/>
+            </a:schemeClr>
+          </a:lnRef>
+          <a:fillRef idx="1">
+            <a:schemeClr val="accent1"/>
+          </a:fillRef>
+          <a:effectRef idx="0">
+            <a:schemeClr val="accent1"/>
+          </a:effectRef>
+          <a:fontRef idx="minor">
+            <a:schemeClr val="lt1"/>
+          </a:fontRef>
+        </p:style>
+        <p:txBody>
+          <a:bodyPr rtlCol="0" anchor="ctr"/>
+          <a:lstStyle/>
+          <a:p>
+            <a:pPr algn="ctr"/>
+            <a:endParaRPr lang="en-US"/>
+          </a:p>
+        </p:txBody>
+      </p:sp>
+      <p:sp>
+        <p:nvSpPr>
+          <p:cNvPr id="10" name="Rectangle 9"/>
+          <p:cNvSpPr/>
+          <p:nvPr/>
+        </p:nvSpPr>
+        <p:spPr>
+          <a:xfrm>
+            <a:off x="3940173" y="3540721"/>
+            <a:ext cx="1264343" cy="199381"/>
+          </a:xfrm>
+          <a:prstGeom prst="rect">
+            <a:avLst/>
+          </a:prstGeom>
+          <a:solidFill>
+            <a:srgbClr val="FF0000">
+              <a:alpha val="26000"/>
+            </a:srgbClr>
+          </a:solidFill>
+          <a:ln>
+            <a:noFill/>
+          </a:ln>
+        </p:spPr>
+        <p:style>
+          <a:lnRef idx="2">
+            <a:schemeClr val="accent1">
+              <a:shade val="50000"/>
+            </a:schemeClr>
+          </a:lnRef>
+          <a:fillRef idx="1">
+            <a:schemeClr val="accent1"/>
+          </a:fillRef>
+          <a:effectRef idx="0">
+            <a:schemeClr val="accent1"/>
+          </a:effectRef>
+          <a:fontRef idx="minor">
+            <a:schemeClr val="lt1"/>
+          </a:fontRef>
+        </p:style>
+        <p:txBody>
+          <a:bodyPr rtlCol="0" anchor="ctr"/>
+          <a:lstStyle/>
+          <a:p>
+            <a:pPr algn="ctr"/>
+            <a:endParaRPr lang="en-US"/>
+          </a:p>
+        </p:txBody>
+      </p:sp>
+    </p:spTree>
+    <p:extLst>
+      <p:ext uri="{BB962C8B-B14F-4D97-AF65-F5344CB8AC3E}">
+        <p14:creationId xmlns:p14="http://schemas.microsoft.com/office/powerpoint/2010/main" val="2392860345"/>
+      </p:ext>
+    </p:extLst>
+  </p:cSld>
+  <p:clrMapOvr>
+    <a:masterClrMapping/>
+  </p:clrMapOvr>
+</p:sld>
+</file>
+
+<file path=ppt/slides/slide8.xml><?xml version="1.0" encoding="utf-8"?>
+<p:sld xmlns:a="http://schemas.openxmlformats.org/drawingml/2006/main" xmlns:r="http://schemas.openxmlformats.org/officeDocument/2006/relationships" xmlns:p="http://schemas.openxmlformats.org/presentationml/2006/main">
+  <p:cSld>
+    <p:spTree>
+      <p:nvGrpSpPr>
+        <p:cNvPr id="1" name=""/>
+        <p:cNvGrpSpPr/>
+        <p:nvPr/>
+      </p:nvGrpSpPr>
+      <p:grpSpPr>
+        <a:xfrm>
+          <a:off x="0" y="0"/>
+          <a:ext cx="0" cy="0"/>
+          <a:chOff x="0" y="0"/>
+          <a:chExt cx="0" cy="0"/>
+        </a:xfrm>
+      </p:grpSpPr>
+      <p:sp>
+        <p:nvSpPr>
+          <p:cNvPr id="2" name="TextBox 1"/>
           <p:cNvSpPr txBox="1"/>
           <p:nvPr/>
         </p:nvSpPr>
         <p:spPr>
           <a:xfrm>
-            <a:off x="2916199" y="2162433"/>
-            <a:ext cx="6230360" cy="1569660"/>
+            <a:off x="302509" y="302508"/>
+            <a:ext cx="1991764" cy="461665"/>
           </a:xfrm>
           <a:prstGeom prst="rect">
             <a:avLst/>
@@ -4835,23 +5716,15 @@
           </a:bodyPr>
           <a:lstStyle/>
           <a:p>
-            <a:r>
-              <a:rPr lang="en-US" sz="9600" b="1" dirty="0" smtClean="0">
-                <a:solidFill>
-                  <a:srgbClr val="7030A0"/>
-                </a:solidFill>
+            <a:r xmlns:a="http://schemas.openxmlformats.org/drawingml/2006/main">
+              <a:rPr lang="en" sz="2400" dirty="0" smtClean="0">
                 <a:latin typeface="Segoe UI" panose="020B0502040204020203" pitchFamily="34" charset="0"/>
-                <a:ea typeface="Verdana" panose="020B0604030504040204" pitchFamily="34" charset="0"/>
                 <a:cs typeface="Segoe UI" panose="020B0502040204020203" pitchFamily="34" charset="0"/>
               </a:rPr>
-              <a:t>Thank you</a:t>
-            </a:r>
-            <a:endParaRPr lang="en-US" sz="9600" b="1" dirty="0">
-              <a:solidFill>
-                <a:srgbClr val="7030A0"/>
-              </a:solidFill>
+              <a:t>Transposition</a:t>
+            </a:r>
+            <a:endParaRPr xmlns:a="http://schemas.openxmlformats.org/drawingml/2006/main" lang="en-US" sz="2400" dirty="0">
               <a:latin typeface="Segoe UI" panose="020B0502040204020203" pitchFamily="34" charset="0"/>
-              <a:ea typeface="Verdana" panose="020B0604030504040204" pitchFamily="34" charset="0"/>
               <a:cs typeface="Segoe UI" panose="020B0502040204020203" pitchFamily="34" charset="0"/>
             </a:endParaRPr>
           </a:p>
@@ -4859,14 +5732,169 @@
       </p:sp>
       <p:sp>
         <p:nvSpPr>
-          <p:cNvPr id="6" name="TextBox 5"/>
+          <p:cNvPr id="3" name="Rectangle 2"/>
+          <p:cNvSpPr/>
+          <p:nvPr/>
+        </p:nvSpPr>
+        <p:spPr>
+          <a:xfrm>
+            <a:off x="374169" y="810564"/>
+            <a:ext cx="7240636" cy="400110"/>
+          </a:xfrm>
+          <a:prstGeom prst="rect">
+            <a:avLst/>
+          </a:prstGeom>
+        </p:spPr>
+        <p:txBody>
+          <a:bodyPr wrap="none">
+            <a:spAutoFit/>
+          </a:bodyPr>
+          <a:lstStyle/>
+          <a:p>
+            <a:r xmlns:a="http://schemas.openxmlformats.org/drawingml/2006/main">
+              <a:rPr lang="en" sz="2000" dirty="0" smtClean="0"/>
+              <a:t>The final result after converting column types should be</a:t>
+            </a:r>
+            <a:endParaRPr xmlns:a="http://schemas.openxmlformats.org/drawingml/2006/main" lang="en-US" sz="2000" dirty="0"/>
+          </a:p>
+        </p:txBody>
+      </p:sp>
+      <p:pic>
+        <p:nvPicPr>
+          <p:cNvPr id="7" name="Picture 6"/>
+          <p:cNvPicPr>
+            <a:picLocks noChangeAspect="1"/>
+          </p:cNvPicPr>
+          <p:nvPr/>
+        </p:nvPicPr>
+        <p:blipFill>
+          <a:blip r:embed="rId2"/>
+          <a:stretch>
+            <a:fillRect/>
+          </a:stretch>
+        </p:blipFill>
+        <p:spPr>
+          <a:xfrm>
+            <a:off x="462409" y="1485451"/>
+            <a:ext cx="4887007" cy="4382112"/>
+          </a:xfrm>
+          <a:prstGeom prst="rect">
+            <a:avLst/>
+          </a:prstGeom>
+        </p:spPr>
+      </p:pic>
+      <p:cxnSp>
+        <p:nvCxnSpPr>
+          <p:cNvPr id="11" name="Straight Arrow Connector 10"/>
+          <p:cNvCxnSpPr/>
+          <p:nvPr/>
+        </p:nvCxnSpPr>
+        <p:spPr>
+          <a:xfrm flipH="1">
+            <a:off x="3891356" y="1485451"/>
+            <a:ext cx="103131" cy="384600"/>
+          </a:xfrm>
+          <a:prstGeom prst="straightConnector1">
+            <a:avLst/>
+          </a:prstGeom>
+          <a:ln>
+            <a:solidFill>
+              <a:srgbClr val="FF0000"/>
+            </a:solidFill>
+            <a:tailEnd type="triangle"/>
+          </a:ln>
+        </p:spPr>
+        <p:style>
+          <a:lnRef idx="3">
+            <a:schemeClr val="accent2"/>
+          </a:lnRef>
+          <a:fillRef idx="0">
+            <a:schemeClr val="accent2"/>
+          </a:fillRef>
+          <a:effectRef idx="2">
+            <a:schemeClr val="accent2"/>
+          </a:effectRef>
+          <a:fontRef idx="minor">
+            <a:schemeClr val="tx1"/>
+          </a:fontRef>
+        </p:style>
+      </p:cxnSp>
+      <p:cxnSp>
+        <p:nvCxnSpPr>
+          <p:cNvPr id="13" name="Straight Arrow Connector 12"/>
+          <p:cNvCxnSpPr/>
+          <p:nvPr/>
+        </p:nvCxnSpPr>
+        <p:spPr>
+          <a:xfrm flipH="1">
+            <a:off x="2352460" y="1485451"/>
+            <a:ext cx="103131" cy="384600"/>
+          </a:xfrm>
+          <a:prstGeom prst="straightConnector1">
+            <a:avLst/>
+          </a:prstGeom>
+          <a:ln>
+            <a:solidFill>
+              <a:srgbClr val="FF0000"/>
+            </a:solidFill>
+            <a:tailEnd type="triangle"/>
+          </a:ln>
+        </p:spPr>
+        <p:style>
+          <a:lnRef idx="3">
+            <a:schemeClr val="accent2"/>
+          </a:lnRef>
+          <a:fillRef idx="0">
+            <a:schemeClr val="accent2"/>
+          </a:fillRef>
+          <a:effectRef idx="2">
+            <a:schemeClr val="accent2"/>
+          </a:effectRef>
+          <a:fontRef idx="minor">
+            <a:schemeClr val="tx1"/>
+          </a:fontRef>
+        </p:style>
+      </p:cxnSp>
+    </p:spTree>
+    <p:extLst>
+      <p:ext uri="{BB962C8B-B14F-4D97-AF65-F5344CB8AC3E}">
+        <p14:creationId xmlns:p14="http://schemas.microsoft.com/office/powerpoint/2010/main" val="3923909868"/>
+      </p:ext>
+    </p:extLst>
+  </p:cSld>
+  <p:clrMapOvr>
+    <a:masterClrMapping/>
+  </p:clrMapOvr>
+</p:sld>
+</file>
+
+<file path=ppt/slides/slide9.xml><?xml version="1.0" encoding="utf-8"?>
+<p:sld xmlns:a="http://schemas.openxmlformats.org/drawingml/2006/main" xmlns:r="http://schemas.openxmlformats.org/officeDocument/2006/relationships" xmlns:p="http://schemas.openxmlformats.org/presentationml/2006/main">
+  <p:cSld>
+    <p:spTree>
+      <p:nvGrpSpPr>
+        <p:cNvPr id="1" name=""/>
+        <p:cNvGrpSpPr/>
+        <p:nvPr/>
+      </p:nvGrpSpPr>
+      <p:grpSpPr>
+        <a:xfrm>
+          <a:off x="0" y="0"/>
+          <a:ext cx="0" cy="0"/>
+          <a:chOff x="0" y="0"/>
+          <a:chExt cx="0" cy="0"/>
+        </a:xfrm>
+      </p:grpSpPr>
+      <p:sp>
+        <p:nvSpPr>
+          <p:cNvPr id="2" name="TextBox 1"/>
           <p:cNvSpPr txBox="1"/>
           <p:nvPr/>
         </p:nvSpPr>
         <p:spPr>
           <a:xfrm>
-            <a:off x="2990336" y="2217861"/>
-            <a:ext cx="6230360" cy="1569660"/>
+            <a:off x="302509" y="302508"/>
+            <a:ext cx="1991764" cy="461665"/>
           </a:xfrm>
           <a:prstGeom prst="rect">
             <a:avLst/>
@@ -4879,32 +5907,207 @@
           </a:bodyPr>
           <a:lstStyle/>
           <a:p>
-            <a:r>
-              <a:rPr lang="en-US" sz="9600" b="1" dirty="0" smtClean="0">
-                <a:solidFill>
-                  <a:schemeClr val="bg1"/>
-                </a:solidFill>
+            <a:r xmlns:a="http://schemas.openxmlformats.org/drawingml/2006/main">
+              <a:rPr lang="en" sz="2400" dirty="0" smtClean="0">
                 <a:latin typeface="Segoe UI" panose="020B0502040204020203" pitchFamily="34" charset="0"/>
-                <a:ea typeface="Verdana" panose="020B0604030504040204" pitchFamily="34" charset="0"/>
                 <a:cs typeface="Segoe UI" panose="020B0502040204020203" pitchFamily="34" charset="0"/>
               </a:rPr>
-              <a:t>Thank you</a:t>
-            </a:r>
-            <a:endParaRPr lang="en-US" sz="9600" b="1" dirty="0">
-              <a:solidFill>
-                <a:schemeClr val="bg1"/>
-              </a:solidFill>
+              <a:t>Transposition</a:t>
+            </a:r>
+            <a:endParaRPr xmlns:a="http://schemas.openxmlformats.org/drawingml/2006/main" lang="en-US" sz="2400" dirty="0">
               <a:latin typeface="Segoe UI" panose="020B0502040204020203" pitchFamily="34" charset="0"/>
-              <a:ea typeface="Verdana" panose="020B0604030504040204" pitchFamily="34" charset="0"/>
               <a:cs typeface="Segoe UI" panose="020B0502040204020203" pitchFamily="34" charset="0"/>
             </a:endParaRPr>
           </a:p>
         </p:txBody>
       </p:sp>
+      <p:sp>
+        <p:nvSpPr>
+          <p:cNvPr id="3" name="Rectangle 2"/>
+          <p:cNvSpPr/>
+          <p:nvPr/>
+        </p:nvSpPr>
+        <p:spPr>
+          <a:xfrm>
+            <a:off x="374169" y="810564"/>
+            <a:ext cx="5208862" cy="400110"/>
+          </a:xfrm>
+          <a:prstGeom prst="rect">
+            <a:avLst/>
+          </a:prstGeom>
+        </p:spPr>
+        <p:txBody>
+          <a:bodyPr wrap="none">
+            <a:spAutoFit/>
+          </a:bodyPr>
+          <a:lstStyle/>
+          <a:p>
+            <a:r xmlns:a="http://schemas.openxmlformats.org/drawingml/2006/main">
+              <a:rPr lang="en" sz="2000" dirty="0" smtClean="0"/>
+              <a:t>It is now possible to round values</a:t>
+            </a:r>
+            <a:endParaRPr xmlns:a="http://schemas.openxmlformats.org/drawingml/2006/main" lang="en-US" sz="2000" dirty="0"/>
+          </a:p>
+        </p:txBody>
+      </p:sp>
+      <p:pic>
+        <p:nvPicPr>
+          <p:cNvPr id="5" name="Picture 4"/>
+          <p:cNvPicPr>
+            <a:picLocks noChangeAspect="1"/>
+          </p:cNvPicPr>
+          <p:nvPr/>
+        </p:nvPicPr>
+        <p:blipFill>
+          <a:blip r:embed="rId2"/>
+          <a:stretch>
+            <a:fillRect/>
+          </a:stretch>
+        </p:blipFill>
+        <p:spPr>
+          <a:xfrm>
+            <a:off x="517178" y="1306286"/>
+            <a:ext cx="8279765" cy="5086394"/>
+          </a:xfrm>
+          <a:prstGeom prst="rect">
+            <a:avLst/>
+          </a:prstGeom>
+        </p:spPr>
+      </p:pic>
+      <p:sp>
+        <p:nvSpPr>
+          <p:cNvPr id="9" name="Rectangle 8"/>
+          <p:cNvSpPr/>
+          <p:nvPr/>
+        </p:nvSpPr>
+        <p:spPr>
+          <a:xfrm>
+            <a:off x="1230656" y="1306286"/>
+            <a:ext cx="715022" cy="178755"/>
+          </a:xfrm>
+          <a:prstGeom prst="rect">
+            <a:avLst/>
+          </a:prstGeom>
+          <a:solidFill>
+            <a:srgbClr val="FF0000">
+              <a:alpha val="26000"/>
+            </a:srgbClr>
+          </a:solidFill>
+          <a:ln>
+            <a:noFill/>
+          </a:ln>
+        </p:spPr>
+        <p:style>
+          <a:lnRef idx="2">
+            <a:schemeClr val="accent1">
+              <a:shade val="50000"/>
+            </a:schemeClr>
+          </a:lnRef>
+          <a:fillRef idx="1">
+            <a:schemeClr val="accent1"/>
+          </a:fillRef>
+          <a:effectRef idx="0">
+            <a:schemeClr val="accent1"/>
+          </a:effectRef>
+          <a:fontRef idx="minor">
+            <a:schemeClr val="lt1"/>
+          </a:fontRef>
+        </p:style>
+        <p:txBody>
+          <a:bodyPr rtlCol="0" anchor="ctr"/>
+          <a:lstStyle/>
+          <a:p>
+            <a:pPr algn="ctr"/>
+            <a:endParaRPr lang="en-US"/>
+          </a:p>
+        </p:txBody>
+      </p:sp>
+      <p:sp>
+        <p:nvSpPr>
+          <p:cNvPr id="10" name="Rectangle 9"/>
+          <p:cNvSpPr/>
+          <p:nvPr/>
+        </p:nvSpPr>
+        <p:spPr>
+          <a:xfrm>
+            <a:off x="7577600" y="2324960"/>
+            <a:ext cx="1112637" cy="184484"/>
+          </a:xfrm>
+          <a:prstGeom prst="rect">
+            <a:avLst/>
+          </a:prstGeom>
+          <a:solidFill>
+            <a:srgbClr val="FF0000">
+              <a:alpha val="26000"/>
+            </a:srgbClr>
+          </a:solidFill>
+          <a:ln>
+            <a:noFill/>
+          </a:ln>
+        </p:spPr>
+        <p:style>
+          <a:lnRef idx="2">
+            <a:schemeClr val="accent1">
+              <a:shade val="50000"/>
+            </a:schemeClr>
+          </a:lnRef>
+          <a:fillRef idx="1">
+            <a:schemeClr val="accent1"/>
+          </a:fillRef>
+          <a:effectRef idx="0">
+            <a:schemeClr val="accent1"/>
+          </a:effectRef>
+          <a:fontRef idx="minor">
+            <a:schemeClr val="lt1"/>
+          </a:fontRef>
+        </p:style>
+        <p:txBody>
+          <a:bodyPr rtlCol="0" anchor="ctr"/>
+          <a:lstStyle/>
+          <a:p>
+            <a:pPr algn="ctr"/>
+            <a:endParaRPr lang="en-US"/>
+          </a:p>
+        </p:txBody>
+      </p:sp>
+      <p:pic>
+        <p:nvPicPr>
+          <p:cNvPr id="6" name="Picture 5"/>
+          <p:cNvPicPr>
+            <a:picLocks noChangeAspect="1"/>
+          </p:cNvPicPr>
+          <p:nvPr/>
+        </p:nvPicPr>
+        <p:blipFill>
+          <a:blip r:embed="rId3"/>
+          <a:stretch>
+            <a:fillRect/>
+          </a:stretch>
+        </p:blipFill>
+        <p:spPr>
+          <a:xfrm>
+            <a:off x="7283224" y="2983557"/>
+            <a:ext cx="4610743" cy="1867161"/>
+          </a:xfrm>
+          <a:prstGeom prst="rect">
+            <a:avLst/>
+          </a:prstGeom>
+          <a:ln>
+            <a:noFill/>
+          </a:ln>
+          <a:effectLst>
+            <a:outerShdw blurRad="292100" dist="139700" dir="2700000" algn="tl" rotWithShape="0">
+              <a:srgbClr val="333333">
+                <a:alpha val="65000"/>
+              </a:srgbClr>
+            </a:outerShdw>
+          </a:effectLst>
+        </p:spPr>
+      </p:pic>
     </p:spTree>
     <p:extLst>
       <p:ext uri="{BB962C8B-B14F-4D97-AF65-F5344CB8AC3E}">
-        <p14:creationId xmlns:p14="http://schemas.microsoft.com/office/powerpoint/2010/main" val="3494127604"/>
+        <p14:creationId xmlns:p14="http://schemas.microsoft.com/office/powerpoint/2010/main" val="1128298849"/>
       </p:ext>
     </p:extLst>
   </p:cSld>

--- a/English/2.Preparing data/4.Transposition.pptx
+++ b/English/2.Preparing data/4.Transposition.pptx
@@ -207,7 +207,7 @@
           <a:p>
             <a:fld id="{056BA3B8-9F76-4D81-B71D-76CB85363062}" type="datetimeFigureOut">
               <a:rPr lang="en-US" smtClean="0"/>
-              <a:t>3/4/2025</a:t>
+              <a:t>4/3/2025</a:t>
             </a:fld>
             <a:endParaRPr lang="en-US"/>
           </a:p>
@@ -606,7 +606,7 @@
           <a:p>
             <a:fld id="{6F01DA4D-20EA-48D2-973C-0311EC3005D6}" type="datetimeFigureOut">
               <a:rPr lang="en-US" smtClean="0"/>
-              <a:t>3/4/2025</a:t>
+              <a:t>4/3/2025</a:t>
             </a:fld>
             <a:endParaRPr lang="en-US"/>
           </a:p>
@@ -776,7 +776,7 @@
           <a:p>
             <a:fld id="{6F01DA4D-20EA-48D2-973C-0311EC3005D6}" type="datetimeFigureOut">
               <a:rPr lang="en-US" smtClean="0"/>
-              <a:t>3/4/2025</a:t>
+              <a:t>4/3/2025</a:t>
             </a:fld>
             <a:endParaRPr lang="en-US"/>
           </a:p>
@@ -956,7 +956,7 @@
           <a:p>
             <a:fld id="{6F01DA4D-20EA-48D2-973C-0311EC3005D6}" type="datetimeFigureOut">
               <a:rPr lang="en-US" smtClean="0"/>
-              <a:t>3/4/2025</a:t>
+              <a:t>4/3/2025</a:t>
             </a:fld>
             <a:endParaRPr lang="en-US"/>
           </a:p>
@@ -1126,7 +1126,7 @@
           <a:p>
             <a:fld id="{6F01DA4D-20EA-48D2-973C-0311EC3005D6}" type="datetimeFigureOut">
               <a:rPr lang="en-US" smtClean="0"/>
-              <a:t>3/4/2025</a:t>
+              <a:t>4/3/2025</a:t>
             </a:fld>
             <a:endParaRPr lang="en-US"/>
           </a:p>
@@ -1372,7 +1372,7 @@
           <a:p>
             <a:fld id="{6F01DA4D-20EA-48D2-973C-0311EC3005D6}" type="datetimeFigureOut">
               <a:rPr lang="en-US" smtClean="0"/>
-              <a:t>3/4/2025</a:t>
+              <a:t>4/3/2025</a:t>
             </a:fld>
             <a:endParaRPr lang="en-US"/>
           </a:p>
@@ -1604,7 +1604,7 @@
           <a:p>
             <a:fld id="{6F01DA4D-20EA-48D2-973C-0311EC3005D6}" type="datetimeFigureOut">
               <a:rPr lang="en-US" smtClean="0"/>
-              <a:t>3/4/2025</a:t>
+              <a:t>4/3/2025</a:t>
             </a:fld>
             <a:endParaRPr lang="en-US"/>
           </a:p>
@@ -1971,7 +1971,7 @@
           <a:p>
             <a:fld id="{6F01DA4D-20EA-48D2-973C-0311EC3005D6}" type="datetimeFigureOut">
               <a:rPr lang="en-US" smtClean="0"/>
-              <a:t>3/4/2025</a:t>
+              <a:t>4/3/2025</a:t>
             </a:fld>
             <a:endParaRPr lang="en-US"/>
           </a:p>
@@ -2089,7 +2089,7 @@
           <a:p>
             <a:fld id="{6F01DA4D-20EA-48D2-973C-0311EC3005D6}" type="datetimeFigureOut">
               <a:rPr lang="en-US" smtClean="0"/>
-              <a:t>3/4/2025</a:t>
+              <a:t>4/3/2025</a:t>
             </a:fld>
             <a:endParaRPr lang="en-US"/>
           </a:p>
@@ -2184,7 +2184,7 @@
           <a:p>
             <a:fld id="{6F01DA4D-20EA-48D2-973C-0311EC3005D6}" type="datetimeFigureOut">
               <a:rPr lang="en-US" smtClean="0"/>
-              <a:t>3/4/2025</a:t>
+              <a:t>4/3/2025</a:t>
             </a:fld>
             <a:endParaRPr lang="en-US"/>
           </a:p>
@@ -2461,7 +2461,7 @@
           <a:p>
             <a:fld id="{6F01DA4D-20EA-48D2-973C-0311EC3005D6}" type="datetimeFigureOut">
               <a:rPr lang="en-US" smtClean="0"/>
-              <a:t>3/4/2025</a:t>
+              <a:t>4/3/2025</a:t>
             </a:fld>
             <a:endParaRPr lang="en-US"/>
           </a:p>
@@ -2714,7 +2714,7 @@
           <a:p>
             <a:fld id="{6F01DA4D-20EA-48D2-973C-0311EC3005D6}" type="datetimeFigureOut">
               <a:rPr lang="en-US" smtClean="0"/>
-              <a:t>3/4/2025</a:t>
+              <a:t>4/3/2025</a:t>
             </a:fld>
             <a:endParaRPr lang="en-US"/>
           </a:p>
@@ -2927,7 +2927,7 @@
           <a:p>
             <a:fld id="{6F01DA4D-20EA-48D2-973C-0311EC3005D6}" type="datetimeFigureOut">
               <a:rPr lang="en-US" smtClean="0"/>
-              <a:t>3/4/2025</a:t>
+              <a:t>4/3/2025</a:t>
             </a:fld>
             <a:endParaRPr lang="en-US"/>
           </a:p>
@@ -3362,7 +3362,7 @@
           </a:bodyPr>
           <a:lstStyle/>
           <a:p>
-            <a:r xmlns:a="http://schemas.openxmlformats.org/drawingml/2006/main">
+            <a:r>
               <a:rPr lang="en" sz="8000" b="1" dirty="0" smtClean="0">
                 <a:solidFill>
                   <a:srgbClr val="7030A0"/>
@@ -3373,7 +3373,7 @@
               </a:rPr>
               <a:t>Transposition</a:t>
             </a:r>
-            <a:endParaRPr xmlns:a="http://schemas.openxmlformats.org/drawingml/2006/main" lang="en-US" sz="8000" b="1" dirty="0">
+            <a:endParaRPr lang="en-US" sz="8000" b="1" dirty="0">
               <a:solidFill>
                 <a:srgbClr val="7030A0"/>
               </a:solidFill>
@@ -3406,7 +3406,7 @@
           </a:bodyPr>
           <a:lstStyle/>
           <a:p>
-            <a:r xmlns:a="http://schemas.openxmlformats.org/drawingml/2006/main">
+            <a:r>
               <a:rPr lang="en" sz="8000" b="1" dirty="0" smtClean="0">
                 <a:solidFill>
                   <a:schemeClr val="bg1"/>
@@ -3417,7 +3417,7 @@
               </a:rPr>
               <a:t>Transposition</a:t>
             </a:r>
-            <a:endParaRPr xmlns:a="http://schemas.openxmlformats.org/drawingml/2006/main" lang="en-US" sz="8000" b="1" dirty="0">
+            <a:endParaRPr lang="en-US" sz="8000" b="1" dirty="0">
               <a:solidFill>
                 <a:schemeClr val="bg1"/>
               </a:solidFill>
@@ -3480,14 +3480,14 @@
           </a:bodyPr>
           <a:lstStyle/>
           <a:p>
-            <a:r xmlns:a="http://schemas.openxmlformats.org/drawingml/2006/main">
+            <a:r>
               <a:rPr lang="en" sz="2400" dirty="0" smtClean="0">
                 <a:latin typeface="Segoe UI" panose="020B0502040204020203" pitchFamily="34" charset="0"/>
                 <a:cs typeface="Segoe UI" panose="020B0502040204020203" pitchFamily="34" charset="0"/>
               </a:rPr>
               <a:t>Transposition</a:t>
             </a:r>
-            <a:endParaRPr xmlns:a="http://schemas.openxmlformats.org/drawingml/2006/main" lang="en-US" sz="2400" dirty="0">
+            <a:endParaRPr lang="en-US" sz="2400" dirty="0">
               <a:latin typeface="Segoe UI" panose="020B0502040204020203" pitchFamily="34" charset="0"/>
               <a:cs typeface="Segoe UI" panose="020B0502040204020203" pitchFamily="34" charset="0"/>
             </a:endParaRPr>
@@ -3515,11 +3515,11 @@
           </a:bodyPr>
           <a:lstStyle/>
           <a:p>
-            <a:r xmlns:a="http://schemas.openxmlformats.org/drawingml/2006/main">
+            <a:r>
               <a:rPr lang="en" sz="2000" dirty="0" smtClean="0"/>
               <a:t>The final result should be</a:t>
             </a:r>
-            <a:endParaRPr xmlns:a="http://schemas.openxmlformats.org/drawingml/2006/main" lang="en-US" sz="2000" dirty="0"/>
+            <a:endParaRPr lang="en-US" sz="2000" dirty="0"/>
           </a:p>
         </p:txBody>
       </p:sp>
@@ -3632,8 +3632,8 @@
         </p:nvSpPr>
         <p:spPr>
           <a:xfrm>
-            <a:off x="4084981" y="2485566"/>
-            <a:ext cx="3456395" cy="1569660"/>
+            <a:off x="2826821" y="2423689"/>
+            <a:ext cx="6230360" cy="1569660"/>
           </a:xfrm>
           <a:prstGeom prst="rect">
             <a:avLst/>
@@ -3646,8 +3646,8 @@
           </a:bodyPr>
           <a:lstStyle/>
           <a:p>
-            <a:r xmlns:a="http://schemas.openxmlformats.org/drawingml/2006/main">
-              <a:rPr lang="en" sz="9600" b="1" dirty="0" smtClean="0">
+            <a:r>
+              <a:rPr lang="en-US" sz="9600" b="1" dirty="0" smtClean="0">
                 <a:solidFill>
                   <a:srgbClr val="7030A0"/>
                 </a:solidFill>
@@ -3655,9 +3655,9 @@
                 <a:ea typeface="Verdana" panose="020B0604030504040204" pitchFamily="34" charset="0"/>
                 <a:cs typeface="Segoe UI" panose="020B0502040204020203" pitchFamily="34" charset="0"/>
               </a:rPr>
-              <a:t>THANKS</a:t>
-            </a:r>
-            <a:endParaRPr xmlns:a="http://schemas.openxmlformats.org/drawingml/2006/main" lang="en-US" sz="9600" b="1" dirty="0">
+              <a:t>Thank you</a:t>
+            </a:r>
+            <a:endParaRPr lang="en-US" sz="9600" b="1" dirty="0">
               <a:solidFill>
                 <a:srgbClr val="7030A0"/>
               </a:solidFill>
@@ -3676,8 +3676,8 @@
         </p:nvSpPr>
         <p:spPr>
           <a:xfrm>
-            <a:off x="4014739" y="2410365"/>
-            <a:ext cx="3456395" cy="1569660"/>
+            <a:off x="2756579" y="2348488"/>
+            <a:ext cx="6230360" cy="1569660"/>
           </a:xfrm>
           <a:prstGeom prst="rect">
             <a:avLst/>
@@ -3690,8 +3690,8 @@
           </a:bodyPr>
           <a:lstStyle/>
           <a:p>
-            <a:r xmlns:a="http://schemas.openxmlformats.org/drawingml/2006/main">
-              <a:rPr lang="en" sz="9600" b="1" dirty="0" smtClean="0">
+            <a:r>
+              <a:rPr lang="en-US" sz="9600" b="1" dirty="0" smtClean="0">
                 <a:solidFill>
                   <a:schemeClr val="bg1"/>
                 </a:solidFill>
@@ -3699,9 +3699,9 @@
                 <a:ea typeface="Verdana" panose="020B0604030504040204" pitchFamily="34" charset="0"/>
                 <a:cs typeface="Segoe UI" panose="020B0502040204020203" pitchFamily="34" charset="0"/>
               </a:rPr>
-              <a:t>THANKS</a:t>
-            </a:r>
-            <a:endParaRPr xmlns:a="http://schemas.openxmlformats.org/drawingml/2006/main" lang="en-US" sz="9600" b="1" dirty="0">
+              <a:t>Thank you</a:t>
+            </a:r>
+            <a:endParaRPr lang="en-US" sz="9600" b="1" dirty="0">
               <a:solidFill>
                 <a:schemeClr val="bg1"/>
               </a:solidFill>
@@ -3764,14 +3764,14 @@
           </a:bodyPr>
           <a:lstStyle/>
           <a:p>
-            <a:r xmlns:a="http://schemas.openxmlformats.org/drawingml/2006/main">
+            <a:r>
               <a:rPr lang="en" sz="2400" b="1" dirty="0" smtClean="0">
                 <a:latin typeface="Segoe UI" panose="020B0502040204020203" pitchFamily="34" charset="0"/>
                 <a:cs typeface="Segoe UI" panose="020B0502040204020203" pitchFamily="34" charset="0"/>
               </a:rPr>
               <a:t>Transposition</a:t>
             </a:r>
-            <a:endParaRPr xmlns:a="http://schemas.openxmlformats.org/drawingml/2006/main" lang="en-US" sz="2400" b="1" dirty="0">
+            <a:endParaRPr lang="en-US" sz="2400" b="1" dirty="0">
               <a:latin typeface="Segoe UI" panose="020B0502040204020203" pitchFamily="34" charset="0"/>
               <a:cs typeface="Segoe UI" panose="020B0502040204020203" pitchFamily="34" charset="0"/>
             </a:endParaRPr>
@@ -3799,19 +3799,15 @@
           </a:bodyPr>
           <a:lstStyle/>
           <a:p>
-            <a:r xmlns:a="http://schemas.openxmlformats.org/drawingml/2006/main">
+            <a:r>
               <a:rPr lang="en" sz="2000" b="1" dirty="0"/>
               <a:t>Power </a:t>
             </a:r>
-            <a:r xmlns:a="http://schemas.openxmlformats.org/drawingml/2006/main">
+            <a:r>
               <a:rPr lang="en" sz="2000" b="1" dirty="0" err="1" smtClean="0"/>
               <a:t>Query </a:t>
             </a:r>
-            <a:endParaRPr xmlns:a="http://schemas.openxmlformats.org/drawingml/2006/main" lang="en-US" sz="2000" dirty="0"/>
-            <a:r xmlns:a="http://schemas.openxmlformats.org/drawingml/2006/main">
-              <a:rPr lang="en" sz="2000" dirty="0"/>
-              <a:t>Editor</a:t>
-            </a:r>
+            <a:endParaRPr lang="en-US" sz="2000" dirty="0"/>
           </a:p>
         </p:txBody>
       </p:sp>
@@ -3836,23 +3832,23 @@
           </a:bodyPr>
           <a:lstStyle/>
           <a:p>
-            <a:r xmlns:a="http://schemas.openxmlformats.org/drawingml/2006/main">
+            <a:r>
               <a:rPr lang="en" sz="2000" dirty="0"/>
               <a:t>Note: This lab uses the </a:t>
             </a:r>
-            <a:r xmlns:a="http://schemas.openxmlformats.org/drawingml/2006/main">
+            <a:r>
               <a:rPr lang="en" sz="2000" b="1" dirty="0"/>
               <a:t>DimStore.csv file </a:t>
             </a:r>
-            <a:r xmlns:a="http://schemas.openxmlformats.org/drawingml/2006/main">
+            <a:r>
               <a:rPr lang="en" sz="2000" dirty="0"/>
               <a:t>located in the </a:t>
             </a:r>
-            <a:r xmlns:a="http://schemas.openxmlformats.org/drawingml/2006/main">
+            <a:r>
               <a:rPr lang="en" sz="2000" b="1" dirty="0" smtClean="0"/>
               <a:t>Advanced Transformations folder</a:t>
             </a:r>
-            <a:endParaRPr xmlns:a="http://schemas.openxmlformats.org/drawingml/2006/main" lang="en-US" sz="2000" b="1" dirty="0"/>
+            <a:endParaRPr lang="en-US" sz="2000" b="1" dirty="0"/>
           </a:p>
         </p:txBody>
       </p:sp>
@@ -3877,11 +3873,11 @@
           </a:bodyPr>
           <a:lstStyle/>
           <a:p>
-            <a:r xmlns:a="http://schemas.openxmlformats.org/drawingml/2006/main">
+            <a:r>
               <a:rPr lang="en" sz="2000" dirty="0" smtClean="0"/>
               <a:t>Observe the data carefully</a:t>
             </a:r>
-            <a:endParaRPr xmlns:a="http://schemas.openxmlformats.org/drawingml/2006/main" lang="en-US" sz="2000" dirty="0"/>
+            <a:endParaRPr lang="en-US" sz="2000" dirty="0"/>
           </a:p>
         </p:txBody>
       </p:sp>
@@ -3961,14 +3957,14 @@
           </a:bodyPr>
           <a:lstStyle/>
           <a:p>
-            <a:r xmlns:a="http://schemas.openxmlformats.org/drawingml/2006/main">
+            <a:r>
               <a:rPr lang="en" sz="2400" b="1" dirty="0" smtClean="0">
                 <a:latin typeface="Segoe UI" panose="020B0502040204020203" pitchFamily="34" charset="0"/>
                 <a:cs typeface="Segoe UI" panose="020B0502040204020203" pitchFamily="34" charset="0"/>
               </a:rPr>
               <a:t>Transposition</a:t>
             </a:r>
-            <a:endParaRPr xmlns:a="http://schemas.openxmlformats.org/drawingml/2006/main" lang="en-US" sz="2400" b="1" dirty="0">
+            <a:endParaRPr lang="en-US" sz="2400" b="1" dirty="0">
               <a:latin typeface="Segoe UI" panose="020B0502040204020203" pitchFamily="34" charset="0"/>
               <a:cs typeface="Segoe UI" panose="020B0502040204020203" pitchFamily="34" charset="0"/>
             </a:endParaRPr>
@@ -4164,11 +4160,11 @@
           </a:bodyPr>
           <a:lstStyle/>
           <a:p>
-            <a:r xmlns:a="http://schemas.openxmlformats.org/drawingml/2006/main">
+            <a:r>
               <a:rPr lang="en" sz="2000" dirty="0" smtClean="0"/>
               <a:t>Delete the first line</a:t>
             </a:r>
-            <a:endParaRPr xmlns:a="http://schemas.openxmlformats.org/drawingml/2006/main" lang="fr-FR" sz="2000" dirty="0"/>
+            <a:endParaRPr lang="fr-FR" sz="2000" dirty="0"/>
           </a:p>
         </p:txBody>
       </p:sp>
@@ -4224,14 +4220,14 @@
           </a:bodyPr>
           <a:lstStyle/>
           <a:p>
-            <a:r xmlns:a="http://schemas.openxmlformats.org/drawingml/2006/main">
+            <a:r>
               <a:rPr lang="en" sz="2400" b="1" dirty="0" smtClean="0">
                 <a:latin typeface="Segoe UI" panose="020B0502040204020203" pitchFamily="34" charset="0"/>
                 <a:cs typeface="Segoe UI" panose="020B0502040204020203" pitchFamily="34" charset="0"/>
               </a:rPr>
               <a:t>Transposition</a:t>
             </a:r>
-            <a:endParaRPr xmlns:a="http://schemas.openxmlformats.org/drawingml/2006/main" lang="en-US" sz="2400" b="1" dirty="0">
+            <a:endParaRPr lang="en-US" sz="2400" b="1" dirty="0">
               <a:latin typeface="Segoe UI" panose="020B0502040204020203" pitchFamily="34" charset="0"/>
               <a:cs typeface="Segoe UI" panose="020B0502040204020203" pitchFamily="34" charset="0"/>
             </a:endParaRPr>
@@ -4379,27 +4375,23 @@
           </a:bodyPr>
           <a:lstStyle/>
           <a:p>
-            <a:r xmlns:a="http://schemas.openxmlformats.org/drawingml/2006/main">
+            <a:r>
               <a:rPr lang="en" sz="2000" b="1" dirty="0"/>
               <a:t>the Transform tab </a:t>
             </a:r>
-            <a:r xmlns:a="http://schemas.openxmlformats.org/drawingml/2006/main">
+            <a:r>
               <a:rPr lang="en" sz="2000" dirty="0"/>
-              <a:t>again </a:t>
-            </a:r>
-            <a:r xmlns:a="http://schemas.openxmlformats.org/drawingml/2006/main">
-              <a:rPr lang="en" sz="2000" dirty="0"/>
-              <a:t>and click </a:t>
-            </a:r>
-            <a:r xmlns:a="http://schemas.openxmlformats.org/drawingml/2006/main">
+              <a:t>again and click </a:t>
+            </a:r>
+            <a:r>
               <a:rPr lang="en" sz="2000" b="1" dirty="0"/>
               <a:t>Transpose </a:t>
             </a:r>
-            <a:r xmlns:a="http://schemas.openxmlformats.org/drawingml/2006/main">
+            <a:r>
               <a:rPr lang="en" sz="2000" dirty="0"/>
               <a:t>.</a:t>
             </a:r>
-            <a:endParaRPr xmlns:a="http://schemas.openxmlformats.org/drawingml/2006/main" lang="en-US" sz="2000" dirty="0"/>
+            <a:endParaRPr lang="en-US" sz="2000" dirty="0"/>
           </a:p>
         </p:txBody>
       </p:sp>
@@ -4424,43 +4416,39 @@
           </a:bodyPr>
           <a:lstStyle/>
           <a:p>
-            <a:r xmlns:a="http://schemas.openxmlformats.org/drawingml/2006/main">
+            <a:r>
               <a:rPr lang="en" sz="2000" b="1" dirty="0"/>
               <a:t>Column1 </a:t>
             </a:r>
-            <a:r xmlns:a="http://schemas.openxmlformats.org/drawingml/2006/main">
+            <a:r>
               <a:rPr lang="en" sz="2000" dirty="0"/>
-              <a:t>column </a:t>
-            </a:r>
-            <a:r xmlns:a="http://schemas.openxmlformats.org/drawingml/2006/main">
-              <a:rPr lang="en" sz="2000" dirty="0"/>
-              <a:t>, the values are </a:t>
-            </a:r>
-            <a:r xmlns:a="http://schemas.openxmlformats.org/drawingml/2006/main">
+              <a:t>column , the values are </a:t>
+            </a:r>
+            <a:r>
               <a:rPr lang="en" sz="2000" b="1" dirty="0" err="1"/>
               <a:t>Town </a:t>
             </a:r>
-            <a:r xmlns:a="http://schemas.openxmlformats.org/drawingml/2006/main">
+            <a:r>
               <a:rPr lang="en" sz="2000" dirty="0"/>
               <a:t>, </a:t>
             </a:r>
-            <a:r xmlns:a="http://schemas.openxmlformats.org/drawingml/2006/main">
+            <a:r>
               <a:rPr lang="en" sz="2000" b="1" dirty="0"/>
               <a:t>Latitude </a:t>
             </a:r>
-            <a:r xmlns:a="http://schemas.openxmlformats.org/drawingml/2006/main">
+            <a:r>
               <a:rPr lang="en" sz="2000" dirty="0"/>
               <a:t>, </a:t>
             </a:r>
-            <a:r xmlns:a="http://schemas.openxmlformats.org/drawingml/2006/main">
+            <a:r>
               <a:rPr lang="en" sz="2000" b="1" dirty="0"/>
               <a:t>Longitude </a:t>
             </a:r>
-            <a:r xmlns:a="http://schemas.openxmlformats.org/drawingml/2006/main">
+            <a:r>
               <a:rPr lang="en" sz="2000" dirty="0"/>
               <a:t>.</a:t>
             </a:r>
-            <a:endParaRPr xmlns:a="http://schemas.openxmlformats.org/drawingml/2006/main" lang="en-US" sz="2000" dirty="0"/>
+            <a:endParaRPr lang="en-US" sz="2000" dirty="0"/>
           </a:p>
         </p:txBody>
       </p:sp>
@@ -4516,14 +4504,14 @@
           </a:bodyPr>
           <a:lstStyle/>
           <a:p>
-            <a:r xmlns:a="http://schemas.openxmlformats.org/drawingml/2006/main">
+            <a:r>
               <a:rPr lang="en" sz="2400" dirty="0" smtClean="0">
                 <a:latin typeface="Segoe UI" panose="020B0502040204020203" pitchFamily="34" charset="0"/>
                 <a:cs typeface="Segoe UI" panose="020B0502040204020203" pitchFamily="34" charset="0"/>
               </a:rPr>
               <a:t>Transposition</a:t>
             </a:r>
-            <a:endParaRPr xmlns:a="http://schemas.openxmlformats.org/drawingml/2006/main" lang="en-US" sz="2400" dirty="0">
+            <a:endParaRPr lang="en-US" sz="2400" dirty="0">
               <a:latin typeface="Segoe UI" panose="020B0502040204020203" pitchFamily="34" charset="0"/>
               <a:cs typeface="Segoe UI" panose="020B0502040204020203" pitchFamily="34" charset="0"/>
             </a:endParaRPr>
@@ -4671,11 +4659,11 @@
           </a:bodyPr>
           <a:lstStyle/>
           <a:p>
-            <a:r xmlns:a="http://schemas.openxmlformats.org/drawingml/2006/main">
+            <a:r>
               <a:rPr lang="en" sz="2000" dirty="0"/>
               <a:t>Set the first row as column headers.</a:t>
             </a:r>
-            <a:endParaRPr xmlns:a="http://schemas.openxmlformats.org/drawingml/2006/main" lang="en-US" sz="2000" dirty="0"/>
+            <a:endParaRPr lang="en-US" sz="2000" dirty="0"/>
           </a:p>
         </p:txBody>
       </p:sp>
@@ -4731,14 +4719,14 @@
           </a:bodyPr>
           <a:lstStyle/>
           <a:p>
-            <a:r xmlns:a="http://schemas.openxmlformats.org/drawingml/2006/main">
+            <a:r>
               <a:rPr lang="en" sz="2400" dirty="0" smtClean="0">
                 <a:latin typeface="Segoe UI" panose="020B0502040204020203" pitchFamily="34" charset="0"/>
                 <a:cs typeface="Segoe UI" panose="020B0502040204020203" pitchFamily="34" charset="0"/>
               </a:rPr>
               <a:t>Transposition</a:t>
             </a:r>
-            <a:endParaRPr xmlns:a="http://schemas.openxmlformats.org/drawingml/2006/main" lang="en-US" sz="2400" dirty="0">
+            <a:endParaRPr lang="en-US" sz="2400" dirty="0">
               <a:latin typeface="Segoe UI" panose="020B0502040204020203" pitchFamily="34" charset="0"/>
               <a:cs typeface="Segoe UI" panose="020B0502040204020203" pitchFamily="34" charset="0"/>
             </a:endParaRPr>
@@ -4766,11 +4754,11 @@
           </a:bodyPr>
           <a:lstStyle/>
           <a:p>
-            <a:r xmlns:a="http://schemas.openxmlformats.org/drawingml/2006/main">
+            <a:r>
               <a:rPr lang="en" sz="2000" dirty="0" smtClean="0"/>
               <a:t>Delete unnecessary columns</a:t>
             </a:r>
-            <a:endParaRPr xmlns:a="http://schemas.openxmlformats.org/drawingml/2006/main" lang="en-US" sz="2000" dirty="0"/>
+            <a:endParaRPr lang="en-US" sz="2000" dirty="0"/>
           </a:p>
         </p:txBody>
       </p:sp>
@@ -4898,14 +4886,14 @@
           </a:bodyPr>
           <a:lstStyle/>
           <a:p>
-            <a:r xmlns:a="http://schemas.openxmlformats.org/drawingml/2006/main">
+            <a:r>
               <a:rPr lang="en" sz="2400" dirty="0" smtClean="0">
                 <a:latin typeface="Segoe UI" panose="020B0502040204020203" pitchFamily="34" charset="0"/>
                 <a:cs typeface="Segoe UI" panose="020B0502040204020203" pitchFamily="34" charset="0"/>
               </a:rPr>
               <a:t>Transposition</a:t>
             </a:r>
-            <a:endParaRPr xmlns:a="http://schemas.openxmlformats.org/drawingml/2006/main" lang="en-US" sz="2400" dirty="0">
+            <a:endParaRPr lang="en-US" sz="2400" dirty="0">
               <a:latin typeface="Segoe UI" panose="020B0502040204020203" pitchFamily="34" charset="0"/>
               <a:cs typeface="Segoe UI" panose="020B0502040204020203" pitchFamily="34" charset="0"/>
             </a:endParaRPr>
@@ -4933,11 +4921,11 @@
           </a:bodyPr>
           <a:lstStyle/>
           <a:p>
-            <a:r xmlns:a="http://schemas.openxmlformats.org/drawingml/2006/main">
+            <a:r>
               <a:rPr lang="en" sz="2000" dirty="0" smtClean="0"/>
               <a:t>Replace the decimal separator "." with "," to prepare for the correct cast</a:t>
             </a:r>
-            <a:endParaRPr xmlns:a="http://schemas.openxmlformats.org/drawingml/2006/main" lang="en-US" sz="2000" dirty="0"/>
+            <a:endParaRPr lang="en-US" sz="2000" dirty="0"/>
           </a:p>
         </p:txBody>
       </p:sp>
@@ -5000,7 +4988,7 @@
           </a:bodyPr>
           <a:lstStyle/>
           <a:p>
-            <a:pPr xmlns:a="http://schemas.openxmlformats.org/drawingml/2006/main" marL="0" marR="0" lvl="0" indent="0" algn="l" defTabSz="914400" rtl="0" eaLnBrk="0" fontAlgn="base" latinLnBrk="0" hangingPunct="0">
+            <a:pPr marL="0" marR="0" lvl="0" indent="0" algn="l" defTabSz="914400" rtl="0" eaLnBrk="0" fontAlgn="base" latinLnBrk="0" hangingPunct="0">
               <a:lnSpc>
                 <a:spcPct val="100000"/>
               </a:lnSpc>
@@ -5016,7 +5004,7 @@
               <a:buAutoNum type="arabicPeriod"/>
               <a:tabLst/>
             </a:pPr>
-            <a:r xmlns:a="http://schemas.openxmlformats.org/drawingml/2006/main">
+            <a:r>
               <a:rPr kumimoji="0" lang="en" altLang="en-US" b="0" i="0" u="none" strike="noStrike" cap="none" normalizeH="0" baseline="0" dirty="0" err="1" smtClean="0">
                 <a:ln>
                   <a:noFill/>
@@ -5029,7 +5017,7 @@
               </a:rPr>
               <a:t>Select </a:t>
             </a:r>
-            <a:r xmlns:a="http://schemas.openxmlformats.org/drawingml/2006/main">
+            <a:r>
               <a:rPr kumimoji="0" lang="en" altLang="en-US" b="0" i="0" u="none" strike="noStrike" cap="none" normalizeH="0" baseline="0" dirty="0" smtClean="0">
                 <a:ln>
                   <a:noFill/>
@@ -5042,7 +5030,7 @@
               </a:rPr>
               <a:t>the </a:t>
             </a:r>
-            <a:r xmlns:a="http://schemas.openxmlformats.org/drawingml/2006/main">
+            <a:r>
               <a:rPr kumimoji="0" lang="en" altLang="en-US" b="0" i="0" u="none" strike="noStrike" cap="none" normalizeH="0" baseline="0" dirty="0" err="1" smtClean="0">
                 <a:ln>
                   <a:noFill/>
@@ -5055,7 +5043,7 @@
               </a:rPr>
               <a:t>column</a:t>
             </a:r>
-            <a:r xmlns:a="http://schemas.openxmlformats.org/drawingml/2006/main">
+            <a:r>
               <a:rPr kumimoji="0" lang="en" altLang="en-US" b="0" i="0" u="none" strike="noStrike" cap="none" normalizeH="0" baseline="0" dirty="0" smtClean="0">
                 <a:ln>
                   <a:noFill/>
@@ -5068,7 +5056,7 @@
               </a:rPr>
               <a:t> </a:t>
             </a:r>
-            <a:r xmlns:a="http://schemas.openxmlformats.org/drawingml/2006/main">
+            <a:r>
               <a:rPr kumimoji="0" lang="en" altLang="en-US" b="1" i="0" u="none" strike="noStrike" cap="none" normalizeH="0" baseline="0" dirty="0" smtClean="0">
                 <a:ln>
                   <a:noFill/>
@@ -5081,7 +5069,7 @@
               </a:rPr>
               <a:t>Longitude </a:t>
             </a:r>
-            <a:r xmlns:a="http://schemas.openxmlformats.org/drawingml/2006/main">
+            <a:r>
               <a:rPr kumimoji="0" lang="en" altLang="en-US" b="0" i="0" u="none" strike="noStrike" cap="none" normalizeH="0" baseline="0" dirty="0" smtClean="0">
                 <a:ln>
                   <a:noFill/>
@@ -5096,7 +5084,7 @@
             </a:r>
           </a:p>
           <a:p>
-            <a:pPr xmlns:a="http://schemas.openxmlformats.org/drawingml/2006/main" marL="0" marR="0" lvl="0" indent="0" algn="l" defTabSz="914400" rtl="0" eaLnBrk="0" fontAlgn="base" latinLnBrk="0" hangingPunct="0">
+            <a:pPr marL="0" marR="0" lvl="0" indent="0" algn="l" defTabSz="914400" rtl="0" eaLnBrk="0" fontAlgn="base" latinLnBrk="0" hangingPunct="0">
               <a:lnSpc>
                 <a:spcPct val="100000"/>
               </a:lnSpc>
@@ -5112,13 +5100,13 @@
               <a:buAutoNum type="arabicPeriod" startAt="2"/>
               <a:tabLst/>
             </a:pPr>
-            <a:r xmlns:a="http://schemas.openxmlformats.org/drawingml/2006/main">
+            <a:r>
               <a:rPr lang="en" altLang="en-US" dirty="0" err="1" smtClean="0">
                 <a:latin typeface="Arial" panose="020B0604020202020204" pitchFamily="34" charset="0"/>
               </a:rPr>
               <a:t>Come on</a:t>
             </a:r>
-            <a:r xmlns:a="http://schemas.openxmlformats.org/drawingml/2006/main">
+            <a:r>
               <a:rPr kumimoji="0" lang="en" altLang="en-US" b="0" i="0" u="none" strike="noStrike" cap="none" normalizeH="0" baseline="0" dirty="0" smtClean="0">
                 <a:ln>
                   <a:noFill/>
@@ -5131,7 +5119,7 @@
               </a:rPr>
               <a:t> </a:t>
             </a:r>
-            <a:r xmlns:a="http://schemas.openxmlformats.org/drawingml/2006/main">
+            <a:r>
               <a:rPr kumimoji="0" lang="en" altLang="en-US" b="0" i="0" u="none" strike="noStrike" cap="none" normalizeH="0" baseline="0" dirty="0" err="1" smtClean="0">
                 <a:ln>
                   <a:noFill/>
@@ -5144,7 +5132,7 @@
               </a:rPr>
               <a:t>In</a:t>
             </a:r>
-            <a:r xmlns:a="http://schemas.openxmlformats.org/drawingml/2006/main">
+            <a:r>
               <a:rPr kumimoji="0" lang="en" altLang="en-US" b="0" i="0" u="none" strike="noStrike" cap="none" normalizeH="0" baseline="0" dirty="0" smtClean="0">
                 <a:ln>
                   <a:noFill/>
@@ -5157,7 +5145,7 @@
               </a:rPr>
               <a:t> </a:t>
             </a:r>
-            <a:r xmlns:a="http://schemas.openxmlformats.org/drawingml/2006/main">
+            <a:r>
               <a:rPr kumimoji="0" lang="en" altLang="en-US" b="1" i="0" u="none" strike="noStrike" cap="none" normalizeH="0" baseline="0" dirty="0" smtClean="0">
                 <a:ln>
                   <a:noFill/>
@@ -5170,7 +5158,7 @@
               </a:rPr>
               <a:t>Transform </a:t>
             </a:r>
-            <a:r xmlns:a="http://schemas.openxmlformats.org/drawingml/2006/main">
+            <a:r>
               <a:rPr kumimoji="0" lang="en" altLang="en-US" b="0" i="0" u="none" strike="noStrike" cap="none" normalizeH="0" baseline="0" dirty="0" smtClean="0">
                 <a:ln>
                   <a:noFill/>
@@ -5183,7 +5171,7 @@
               </a:rPr>
               <a:t>→ </a:t>
             </a:r>
-            <a:r xmlns:a="http://schemas.openxmlformats.org/drawingml/2006/main">
+            <a:r>
               <a:rPr kumimoji="0" lang="en" altLang="en-US" b="1" i="0" u="none" strike="noStrike" cap="none" normalizeH="0" baseline="0" dirty="0" err="1" smtClean="0">
                 <a:ln>
                   <a:noFill/>
@@ -5196,7 +5184,7 @@
               </a:rPr>
               <a:t>Replace </a:t>
             </a:r>
-            <a:r xmlns:a="http://schemas.openxmlformats.org/drawingml/2006/main">
+            <a:r>
               <a:rPr kumimoji="0" lang="en" altLang="en-US" b="1" i="0" u="none" strike="noStrike" cap="none" normalizeH="0" baseline="0" dirty="0" smtClean="0">
                 <a:ln>
                   <a:noFill/>
@@ -5209,7 +5197,7 @@
               </a:rPr>
               <a:t>Values </a:t>
             </a:r>
-            <a:r xmlns:a="http://schemas.openxmlformats.org/drawingml/2006/main">
+            <a:r>
               <a:rPr kumimoji="0" lang="en" altLang="en-US" b="0" i="0" u="none" strike="noStrike" cap="none" normalizeH="0" baseline="0" dirty="0" smtClean="0">
                 <a:ln>
                   <a:noFill/>
@@ -5222,7 +5210,7 @@
               </a:rPr>
               <a:t>.</a:t>
             </a:r>
-            <a:r xmlns:a="http://schemas.openxmlformats.org/drawingml/2006/main">
+            <a:r>
               <a:rPr kumimoji="0" lang="en" altLang="en-US" b="1" i="0" u="none" strike="noStrike" cap="none" normalizeH="0" baseline="0" dirty="0" err="1" smtClean="0">
                 <a:ln>
                   <a:noFill/>
@@ -5237,7 +5225,7 @@
             </a:r>
           </a:p>
           <a:p>
-            <a:pPr xmlns:a="http://schemas.openxmlformats.org/drawingml/2006/main" marL="0" marR="0" lvl="0" indent="0" algn="l" defTabSz="914400" rtl="0" eaLnBrk="0" fontAlgn="base" latinLnBrk="0" hangingPunct="0">
+            <a:pPr marL="0" marR="0" lvl="0" indent="0" algn="l" defTabSz="914400" rtl="0" eaLnBrk="0" fontAlgn="base" latinLnBrk="0" hangingPunct="0">
               <a:lnSpc>
                 <a:spcPct val="100000"/>
               </a:lnSpc>
@@ -5253,7 +5241,7 @@
               <a:buAutoNum type="arabicPeriod" startAt="3"/>
               <a:tabLst/>
             </a:pPr>
-            <a:r xmlns:a="http://schemas.openxmlformats.org/drawingml/2006/main">
+            <a:r>
               <a:rPr kumimoji="0" lang="en" altLang="en-US" i="0" u="none" strike="noStrike" cap="none" normalizeH="0" baseline="0" dirty="0" err="1" smtClean="0">
                 <a:ln>
                   <a:noFill/>
@@ -5266,7 +5254,7 @@
               </a:rPr>
               <a:t>Replace</a:t>
             </a:r>
-            <a:r xmlns:a="http://schemas.openxmlformats.org/drawingml/2006/main">
+            <a:r>
               <a:rPr kumimoji="0" lang="en" altLang="en-US" b="0" i="0" u="none" strike="noStrike" cap="none" normalizeH="0" baseline="0" dirty="0" smtClean="0">
                 <a:ln>
                   <a:noFill/>
@@ -5279,7 +5267,7 @@
               </a:rPr>
               <a:t> </a:t>
             </a:r>
-            <a:r xmlns:a="http://schemas.openxmlformats.org/drawingml/2006/main">
+            <a:r>
               <a:rPr kumimoji="0" lang="en" altLang="en-US" b="0" i="0" u="none" strike="noStrike" cap="none" normalizeH="0" baseline="0" dirty="0" err="1" smtClean="0">
                 <a:ln>
                   <a:noFill/>
@@ -5292,7 +5280,7 @@
               </a:rPr>
               <a:t>all </a:t>
             </a:r>
-            <a:r xmlns:a="http://schemas.openxmlformats.org/drawingml/2006/main">
+            <a:r>
               <a:rPr kumimoji="0" lang="en" altLang="en-US" b="0" i="0" u="none" strike="noStrike" cap="none" normalizeH="0" baseline="0" dirty="0" smtClean="0">
                 <a:ln>
                   <a:noFill/>
@@ -5305,7 +5293,7 @@
               </a:rPr>
               <a:t>. </a:t>
             </a:r>
-            <a:r xmlns:a="http://schemas.openxmlformats.org/drawingml/2006/main">
+            <a:r>
               <a:rPr kumimoji="0" lang="en" altLang="en-US" b="0" i="0" u="none" strike="noStrike" cap="none" normalizeH="0" baseline="0" dirty="0" smtClean="0">
                 <a:ln>
                   <a:noFill/>
@@ -5317,7 +5305,7 @@
               </a:rPr>
               <a:t>by </a:t>
             </a:r>
-            <a:r xmlns:a="http://schemas.openxmlformats.org/drawingml/2006/main">
+            <a:r>
               <a:rPr kumimoji="0" lang="en" altLang="en-US" b="1" i="0" u="none" strike="noStrike" cap="none" normalizeH="0" baseline="0" dirty="0" smtClean="0">
                 <a:ln>
                   <a:noFill/>
@@ -5330,7 +5318,7 @@
               </a:rPr>
               <a:t>, </a:t>
             </a:r>
-            <a:r xmlns:a="http://schemas.openxmlformats.org/drawingml/2006/main">
+            <a:r>
               <a:rPr kumimoji="0" lang="en" altLang="en-US" b="0" i="0" u="none" strike="noStrike" cap="none" normalizeH="0" baseline="0" dirty="0" smtClean="0">
                 <a:ln>
                   <a:noFill/>
@@ -5342,7 +5330,7 @@
               </a:rPr>
               <a:t>.</a:t>
             </a:r>
-            <a:endParaRPr xmlns:a="http://schemas.openxmlformats.org/drawingml/2006/main" kumimoji="0" lang="en-US" altLang="en-US" b="0" i="0" u="none" strike="noStrike" cap="none" normalizeH="0" baseline="0" dirty="0" smtClean="0">
+            <a:endParaRPr kumimoji="0" lang="en-US" altLang="en-US" b="0" i="0" u="none" strike="noStrike" cap="none" normalizeH="0" baseline="0" dirty="0" smtClean="0">
               <a:ln>
                 <a:noFill/>
               </a:ln>
@@ -5352,22 +5340,9 @@
               <a:effectLst/>
               <a:latin typeface="Arial" panose="020B0604020202020204" pitchFamily="34" charset="0"/>
             </a:endParaRPr>
-            <a:r xmlns:a="http://schemas.openxmlformats.org/drawingml/2006/main">
-              <a:rPr kumimoji="0" lang="en" altLang="en-US" b="1" i="0" u="none" strike="noStrike" cap="none" normalizeH="0" baseline="0" dirty="0" smtClean="0">
-                <a:ln>
-                  <a:noFill/>
-                </a:ln>
-                <a:solidFill>
-                  <a:schemeClr val="tx1"/>
-                </a:solidFill>
-                <a:effectLst/>
-                <a:latin typeface="Arial Unicode MS"/>
-              </a:rPr>
-              <a:t>​</a:t>
-            </a:r>
-          </a:p>
-          <a:p>
-            <a:pPr xmlns:a="http://schemas.openxmlformats.org/drawingml/2006/main" marL="0" marR="0" lvl="0" indent="0" algn="l" defTabSz="914400" rtl="0" eaLnBrk="0" fontAlgn="base" latinLnBrk="0" hangingPunct="0">
+          </a:p>
+          <a:p>
+            <a:pPr marL="0" marR="0" lvl="0" indent="0" algn="l" defTabSz="914400" rtl="0" eaLnBrk="0" fontAlgn="base" latinLnBrk="0" hangingPunct="0">
               <a:lnSpc>
                 <a:spcPct val="100000"/>
               </a:lnSpc>
@@ -5383,7 +5358,7 @@
               <a:buAutoNum type="arabicPeriod" startAt="4"/>
               <a:tabLst/>
             </a:pPr>
-            <a:r xmlns:a="http://schemas.openxmlformats.org/drawingml/2006/main">
+            <a:r>
               <a:rPr kumimoji="0" lang="en" altLang="en-US" b="0" i="0" u="none" strike="noStrike" cap="none" normalizeH="0" baseline="0" dirty="0" err="1" smtClean="0">
                 <a:ln>
                   <a:noFill/>
@@ -5396,7 +5371,7 @@
               </a:rPr>
               <a:t>Convert</a:t>
             </a:r>
-            <a:r xmlns:a="http://schemas.openxmlformats.org/drawingml/2006/main">
+            <a:r>
               <a:rPr kumimoji="0" lang="en" altLang="en-US" b="0" i="0" u="none" strike="noStrike" cap="none" normalizeH="0" baseline="0" dirty="0" smtClean="0">
                 <a:ln>
                   <a:noFill/>
@@ -5409,7 +5384,7 @@
               </a:rPr>
               <a:t> </a:t>
             </a:r>
-            <a:r xmlns:a="http://schemas.openxmlformats.org/drawingml/2006/main">
+            <a:r>
               <a:rPr kumimoji="0" lang="en" altLang="en-US" b="0" i="0" u="none" strike="noStrike" cap="none" normalizeH="0" baseline="0" dirty="0" err="1" smtClean="0">
                 <a:ln>
                   <a:noFill/>
@@ -5422,7 +5397,7 @@
               </a:rPr>
               <a:t>then </a:t>
             </a:r>
-            <a:r xmlns:a="http://schemas.openxmlformats.org/drawingml/2006/main">
+            <a:r>
               <a:rPr kumimoji="0" lang="en" altLang="en-US" b="0" i="0" u="none" strike="noStrike" cap="none" normalizeH="0" baseline="0" dirty="0" smtClean="0">
                 <a:ln>
                   <a:noFill/>
@@ -5435,7 +5410,7 @@
               </a:rPr>
               <a:t>the </a:t>
             </a:r>
-            <a:r xmlns:a="http://schemas.openxmlformats.org/drawingml/2006/main">
+            <a:r>
               <a:rPr kumimoji="0" lang="en" altLang="en-US" b="0" i="0" u="none" strike="noStrike" cap="none" normalizeH="0" baseline="0" dirty="0" err="1" smtClean="0">
                 <a:ln>
                   <a:noFill/>
@@ -5448,7 +5423,7 @@
               </a:rPr>
               <a:t>column</a:t>
             </a:r>
-            <a:r xmlns:a="http://schemas.openxmlformats.org/drawingml/2006/main">
+            <a:r>
               <a:rPr kumimoji="0" lang="en" altLang="en-US" b="0" i="0" u="none" strike="noStrike" cap="none" normalizeH="0" baseline="0" dirty="0" smtClean="0">
                 <a:ln>
                   <a:noFill/>
@@ -5461,7 +5436,7 @@
               </a:rPr>
               <a:t> </a:t>
             </a:r>
-            <a:r xmlns:a="http://schemas.openxmlformats.org/drawingml/2006/main">
+            <a:r>
               <a:rPr kumimoji="0" lang="en" altLang="en-US" b="0" i="0" u="none" strike="noStrike" cap="none" normalizeH="0" baseline="0" dirty="0" err="1" smtClean="0">
                 <a:ln>
                   <a:noFill/>
@@ -5474,7 +5449,7 @@
               </a:rPr>
               <a:t>in</a:t>
             </a:r>
-            <a:r xmlns:a="http://schemas.openxmlformats.org/drawingml/2006/main">
+            <a:r>
               <a:rPr kumimoji="0" lang="en" altLang="en-US" b="0" i="0" u="none" strike="noStrike" cap="none" normalizeH="0" baseline="0" dirty="0" smtClean="0">
                 <a:ln>
                   <a:noFill/>
@@ -5487,7 +5462,7 @@
               </a:rPr>
               <a:t> </a:t>
             </a:r>
-            <a:r xmlns:a="http://schemas.openxmlformats.org/drawingml/2006/main">
+            <a:r>
               <a:rPr kumimoji="0" lang="en" altLang="en-US" b="1" i="0" u="none" strike="noStrike" cap="none" normalizeH="0" baseline="0" dirty="0" smtClean="0">
                 <a:ln>
                   <a:noFill/>
@@ -5500,7 +5475,7 @@
               </a:rPr>
               <a:t>Decimal Number </a:t>
             </a:r>
-            <a:r xmlns:a="http://schemas.openxmlformats.org/drawingml/2006/main">
+            <a:r>
               <a:rPr kumimoji="0" lang="en" altLang="en-US" b="0" i="0" u="none" strike="noStrike" cap="none" normalizeH="0" baseline="0" dirty="0" smtClean="0">
                 <a:ln>
                   <a:noFill/>
@@ -5716,14 +5691,14 @@
           </a:bodyPr>
           <a:lstStyle/>
           <a:p>
-            <a:r xmlns:a="http://schemas.openxmlformats.org/drawingml/2006/main">
+            <a:r>
               <a:rPr lang="en" sz="2400" dirty="0" smtClean="0">
                 <a:latin typeface="Segoe UI" panose="020B0502040204020203" pitchFamily="34" charset="0"/>
                 <a:cs typeface="Segoe UI" panose="020B0502040204020203" pitchFamily="34" charset="0"/>
               </a:rPr>
               <a:t>Transposition</a:t>
             </a:r>
-            <a:endParaRPr xmlns:a="http://schemas.openxmlformats.org/drawingml/2006/main" lang="en-US" sz="2400" dirty="0">
+            <a:endParaRPr lang="en-US" sz="2400" dirty="0">
               <a:latin typeface="Segoe UI" panose="020B0502040204020203" pitchFamily="34" charset="0"/>
               <a:cs typeface="Segoe UI" panose="020B0502040204020203" pitchFamily="34" charset="0"/>
             </a:endParaRPr>
@@ -5751,11 +5726,11 @@
           </a:bodyPr>
           <a:lstStyle/>
           <a:p>
-            <a:r xmlns:a="http://schemas.openxmlformats.org/drawingml/2006/main">
+            <a:r>
               <a:rPr lang="en" sz="2000" dirty="0" smtClean="0"/>
               <a:t>The final result after converting column types should be</a:t>
             </a:r>
-            <a:endParaRPr xmlns:a="http://schemas.openxmlformats.org/drawingml/2006/main" lang="en-US" sz="2000" dirty="0"/>
+            <a:endParaRPr lang="en-US" sz="2000" dirty="0"/>
           </a:p>
         </p:txBody>
       </p:sp>
@@ -5907,14 +5882,14 @@
           </a:bodyPr>
           <a:lstStyle/>
           <a:p>
-            <a:r xmlns:a="http://schemas.openxmlformats.org/drawingml/2006/main">
+            <a:r>
               <a:rPr lang="en" sz="2400" dirty="0" smtClean="0">
                 <a:latin typeface="Segoe UI" panose="020B0502040204020203" pitchFamily="34" charset="0"/>
                 <a:cs typeface="Segoe UI" panose="020B0502040204020203" pitchFamily="34" charset="0"/>
               </a:rPr>
               <a:t>Transposition</a:t>
             </a:r>
-            <a:endParaRPr xmlns:a="http://schemas.openxmlformats.org/drawingml/2006/main" lang="en-US" sz="2400" dirty="0">
+            <a:endParaRPr lang="en-US" sz="2400" dirty="0">
               <a:latin typeface="Segoe UI" panose="020B0502040204020203" pitchFamily="34" charset="0"/>
               <a:cs typeface="Segoe UI" panose="020B0502040204020203" pitchFamily="34" charset="0"/>
             </a:endParaRPr>
@@ -5942,11 +5917,11 @@
           </a:bodyPr>
           <a:lstStyle/>
           <a:p>
-            <a:r xmlns:a="http://schemas.openxmlformats.org/drawingml/2006/main">
+            <a:r>
               <a:rPr lang="en" sz="2000" dirty="0" smtClean="0"/>
               <a:t>It is now possible to round values</a:t>
             </a:r>
-            <a:endParaRPr xmlns:a="http://schemas.openxmlformats.org/drawingml/2006/main" lang="en-US" sz="2000" dirty="0"/>
+            <a:endParaRPr lang="en-US" sz="2000" dirty="0"/>
           </a:p>
         </p:txBody>
       </p:sp>

--- a/English/2.Preparing data/4.Transposition.pptx
+++ b/English/2.Preparing data/4.Transposition.pptx
@@ -5,7 +5,7 @@
     <p:sldMasterId id="2147483648" r:id="rId1"/>
   </p:sldMasterIdLst>
   <p:notesMasterIdLst>
-    <p:notesMasterId r:id="rId13"/>
+    <p:notesMasterId r:id="rId14"/>
   </p:notesMasterIdLst>
   <p:sldIdLst>
     <p:sldId id="256" r:id="rId2"/>
@@ -18,7 +18,8 @@
     <p:sldId id="264" r:id="rId9"/>
     <p:sldId id="265" r:id="rId10"/>
     <p:sldId id="266" r:id="rId11"/>
-    <p:sldId id="258" r:id="rId12"/>
+    <p:sldId id="267" r:id="rId12"/>
+    <p:sldId id="258" r:id="rId13"/>
   </p:sldIdLst>
   <p:sldSz cx="12192000" cy="6858000"/>
   <p:notesSz cx="6858000" cy="9144000"/>
@@ -207,7 +208,7 @@
           <a:p>
             <a:fld id="{056BA3B8-9F76-4D81-B71D-76CB85363062}" type="datetimeFigureOut">
               <a:rPr lang="en-US" smtClean="0"/>
-              <a:t>4/3/2025</a:t>
+              <a:t>4/8/2025</a:t>
             </a:fld>
             <a:endParaRPr lang="en-US"/>
           </a:p>
@@ -606,7 +607,7 @@
           <a:p>
             <a:fld id="{6F01DA4D-20EA-48D2-973C-0311EC3005D6}" type="datetimeFigureOut">
               <a:rPr lang="en-US" smtClean="0"/>
-              <a:t>4/3/2025</a:t>
+              <a:t>4/8/2025</a:t>
             </a:fld>
             <a:endParaRPr lang="en-US"/>
           </a:p>
@@ -776,7 +777,7 @@
           <a:p>
             <a:fld id="{6F01DA4D-20EA-48D2-973C-0311EC3005D6}" type="datetimeFigureOut">
               <a:rPr lang="en-US" smtClean="0"/>
-              <a:t>4/3/2025</a:t>
+              <a:t>4/8/2025</a:t>
             </a:fld>
             <a:endParaRPr lang="en-US"/>
           </a:p>
@@ -956,7 +957,7 @@
           <a:p>
             <a:fld id="{6F01DA4D-20EA-48D2-973C-0311EC3005D6}" type="datetimeFigureOut">
               <a:rPr lang="en-US" smtClean="0"/>
-              <a:t>4/3/2025</a:t>
+              <a:t>4/8/2025</a:t>
             </a:fld>
             <a:endParaRPr lang="en-US"/>
           </a:p>
@@ -1126,7 +1127,7 @@
           <a:p>
             <a:fld id="{6F01DA4D-20EA-48D2-973C-0311EC3005D6}" type="datetimeFigureOut">
               <a:rPr lang="en-US" smtClean="0"/>
-              <a:t>4/3/2025</a:t>
+              <a:t>4/8/2025</a:t>
             </a:fld>
             <a:endParaRPr lang="en-US"/>
           </a:p>
@@ -1372,7 +1373,7 @@
           <a:p>
             <a:fld id="{6F01DA4D-20EA-48D2-973C-0311EC3005D6}" type="datetimeFigureOut">
               <a:rPr lang="en-US" smtClean="0"/>
-              <a:t>4/3/2025</a:t>
+              <a:t>4/8/2025</a:t>
             </a:fld>
             <a:endParaRPr lang="en-US"/>
           </a:p>
@@ -1604,7 +1605,7 @@
           <a:p>
             <a:fld id="{6F01DA4D-20EA-48D2-973C-0311EC3005D6}" type="datetimeFigureOut">
               <a:rPr lang="en-US" smtClean="0"/>
-              <a:t>4/3/2025</a:t>
+              <a:t>4/8/2025</a:t>
             </a:fld>
             <a:endParaRPr lang="en-US"/>
           </a:p>
@@ -1971,7 +1972,7 @@
           <a:p>
             <a:fld id="{6F01DA4D-20EA-48D2-973C-0311EC3005D6}" type="datetimeFigureOut">
               <a:rPr lang="en-US" smtClean="0"/>
-              <a:t>4/3/2025</a:t>
+              <a:t>4/8/2025</a:t>
             </a:fld>
             <a:endParaRPr lang="en-US"/>
           </a:p>
@@ -2089,7 +2090,7 @@
           <a:p>
             <a:fld id="{6F01DA4D-20EA-48D2-973C-0311EC3005D6}" type="datetimeFigureOut">
               <a:rPr lang="en-US" smtClean="0"/>
-              <a:t>4/3/2025</a:t>
+              <a:t>4/8/2025</a:t>
             </a:fld>
             <a:endParaRPr lang="en-US"/>
           </a:p>
@@ -2184,7 +2185,7 @@
           <a:p>
             <a:fld id="{6F01DA4D-20EA-48D2-973C-0311EC3005D6}" type="datetimeFigureOut">
               <a:rPr lang="en-US" smtClean="0"/>
-              <a:t>4/3/2025</a:t>
+              <a:t>4/8/2025</a:t>
             </a:fld>
             <a:endParaRPr lang="en-US"/>
           </a:p>
@@ -2461,7 +2462,7 @@
           <a:p>
             <a:fld id="{6F01DA4D-20EA-48D2-973C-0311EC3005D6}" type="datetimeFigureOut">
               <a:rPr lang="en-US" smtClean="0"/>
-              <a:t>4/3/2025</a:t>
+              <a:t>4/8/2025</a:t>
             </a:fld>
             <a:endParaRPr lang="en-US"/>
           </a:p>
@@ -2714,7 +2715,7 @@
           <a:p>
             <a:fld id="{6F01DA4D-20EA-48D2-973C-0311EC3005D6}" type="datetimeFigureOut">
               <a:rPr lang="en-US" smtClean="0"/>
-              <a:t>4/3/2025</a:t>
+              <a:t>4/8/2025</a:t>
             </a:fld>
             <a:endParaRPr lang="en-US"/>
           </a:p>
@@ -2927,7 +2928,7 @@
           <a:p>
             <a:fld id="{6F01DA4D-20EA-48D2-973C-0311EC3005D6}" type="datetimeFigureOut">
               <a:rPr lang="en-US" smtClean="0"/>
-              <a:t>4/3/2025</a:t>
+              <a:t>4/8/2025</a:t>
             </a:fld>
             <a:endParaRPr lang="en-US"/>
           </a:p>
@@ -3561,6 +3562,125 @@
 </file>
 
 <file path=ppt/slides/slide11.xml><?xml version="1.0" encoding="utf-8"?>
+<p:sld xmlns:a="http://schemas.openxmlformats.org/drawingml/2006/main" xmlns:r="http://schemas.openxmlformats.org/officeDocument/2006/relationships" xmlns:p="http://schemas.openxmlformats.org/presentationml/2006/main">
+  <p:cSld>
+    <p:spTree>
+      <p:nvGrpSpPr>
+        <p:cNvPr id="1" name=""/>
+        <p:cNvGrpSpPr/>
+        <p:nvPr/>
+      </p:nvGrpSpPr>
+      <p:grpSpPr>
+        <a:xfrm>
+          <a:off x="0" y="0"/>
+          <a:ext cx="0" cy="0"/>
+          <a:chOff x="0" y="0"/>
+          <a:chExt cx="0" cy="0"/>
+        </a:xfrm>
+      </p:grpSpPr>
+      <p:sp>
+        <p:nvSpPr>
+          <p:cNvPr id="2" name="TextBox 1"/>
+          <p:cNvSpPr txBox="1"/>
+          <p:nvPr/>
+        </p:nvSpPr>
+        <p:spPr>
+          <a:xfrm>
+            <a:off x="302509" y="302508"/>
+            <a:ext cx="1991764" cy="461665"/>
+          </a:xfrm>
+          <a:prstGeom prst="rect">
+            <a:avLst/>
+          </a:prstGeom>
+          <a:noFill/>
+        </p:spPr>
+        <p:txBody>
+          <a:bodyPr wrap="none" rtlCol="0">
+            <a:spAutoFit/>
+          </a:bodyPr>
+          <a:lstStyle/>
+          <a:p>
+            <a:r>
+              <a:rPr lang="en" sz="2400" dirty="0" smtClean="0">
+                <a:latin typeface="Segoe UI" panose="020B0502040204020203" pitchFamily="34" charset="0"/>
+                <a:cs typeface="Segoe UI" panose="020B0502040204020203" pitchFamily="34" charset="0"/>
+              </a:rPr>
+              <a:t>Transposition</a:t>
+            </a:r>
+            <a:endParaRPr lang="en-US" sz="2400" dirty="0">
+              <a:latin typeface="Segoe UI" panose="020B0502040204020203" pitchFamily="34" charset="0"/>
+              <a:cs typeface="Segoe UI" panose="020B0502040204020203" pitchFamily="34" charset="0"/>
+            </a:endParaRPr>
+          </a:p>
+        </p:txBody>
+      </p:sp>
+      <p:sp>
+        <p:nvSpPr>
+          <p:cNvPr id="3" name="Rectangle 2"/>
+          <p:cNvSpPr/>
+          <p:nvPr/>
+        </p:nvSpPr>
+        <p:spPr>
+          <a:xfrm>
+            <a:off x="374169" y="810564"/>
+            <a:ext cx="3065904" cy="400110"/>
+          </a:xfrm>
+          <a:prstGeom prst="rect">
+            <a:avLst/>
+          </a:prstGeom>
+        </p:spPr>
+        <p:txBody>
+          <a:bodyPr wrap="none">
+            <a:spAutoFit/>
+          </a:bodyPr>
+          <a:lstStyle/>
+          <a:p>
+            <a:r>
+              <a:rPr lang="en" sz="2000" dirty="0" smtClean="0"/>
+              <a:t>The final result should be</a:t>
+            </a:r>
+            <a:endParaRPr lang="en-US" sz="2000" dirty="0"/>
+          </a:p>
+        </p:txBody>
+      </p:sp>
+      <p:pic>
+        <p:nvPicPr>
+          <p:cNvPr id="4" name="Picture 3"/>
+          <p:cNvPicPr>
+            <a:picLocks noChangeAspect="1"/>
+          </p:cNvPicPr>
+          <p:nvPr/>
+        </p:nvPicPr>
+        <p:blipFill>
+          <a:blip r:embed="rId2"/>
+          <a:stretch>
+            <a:fillRect/>
+          </a:stretch>
+        </p:blipFill>
+        <p:spPr>
+          <a:xfrm>
+            <a:off x="532239" y="1313704"/>
+            <a:ext cx="6067941" cy="5038665"/>
+          </a:xfrm>
+          <a:prstGeom prst="rect">
+            <a:avLst/>
+          </a:prstGeom>
+        </p:spPr>
+      </p:pic>
+    </p:spTree>
+    <p:extLst>
+      <p:ext uri="{BB962C8B-B14F-4D97-AF65-F5344CB8AC3E}">
+        <p14:creationId xmlns:p14="http://schemas.microsoft.com/office/powerpoint/2010/main" val="2164978861"/>
+      </p:ext>
+    </p:extLst>
+  </p:cSld>
+  <p:clrMapOvr>
+    <a:masterClrMapping/>
+  </p:clrMapOvr>
+</p:sld>
+</file>
+
+<file path=ppt/slides/slide12.xml><?xml version="1.0" encoding="utf-8"?>
 <p:sld xmlns:a="http://schemas.openxmlformats.org/drawingml/2006/main" xmlns:r="http://schemas.openxmlformats.org/officeDocument/2006/relationships" xmlns:p="http://schemas.openxmlformats.org/presentationml/2006/main">
   <p:cSld>
     <p:bg>
